--- a/doc/Diagram.pptx
+++ b/doc/Diagram.pptx
@@ -2,19 +2,19 @@
 <file path=ppt/presentation.xml><?xml version="1.0" encoding="utf-8"?>
 <p:presentation xmlns:a="http://schemas.openxmlformats.org/drawingml/2006/main" xmlns:r="http://schemas.openxmlformats.org/officeDocument/2006/relationships" xmlns:p="http://schemas.openxmlformats.org/presentationml/2006/main" saveSubsetFonts="1">
   <p:sldMasterIdLst>
-    <p:sldMasterId id="2147483648" r:id="rId1"/>
+    <p:sldMasterId id="2147483672" r:id="rId1"/>
   </p:sldMasterIdLst>
   <p:sldIdLst>
     <p:sldId id="256" r:id="rId2"/>
     <p:sldId id="257" r:id="rId3"/>
   </p:sldIdLst>
-  <p:sldSz cx="12192000" cy="6858000"/>
+  <p:sldSz cx="14711363" cy="6858000"/>
   <p:notesSz cx="6858000" cy="9144000"/>
   <p:defaultTextStyle>
     <a:defPPr>
       <a:defRPr lang="en-US"/>
     </a:defPPr>
-    <a:lvl1pPr marL="0" algn="l" defTabSz="914400" rtl="0" eaLnBrk="1" latinLnBrk="0" hangingPunct="1">
+    <a:lvl1pPr marL="0" algn="l" defTabSz="457200" rtl="0" eaLnBrk="1" latinLnBrk="0" hangingPunct="1">
       <a:defRPr sz="1800" kern="1200">
         <a:solidFill>
           <a:schemeClr val="tx1"/>
@@ -24,7 +24,7 @@
         <a:cs typeface="+mn-cs"/>
       </a:defRPr>
     </a:lvl1pPr>
-    <a:lvl2pPr marL="457200" algn="l" defTabSz="914400" rtl="0" eaLnBrk="1" latinLnBrk="0" hangingPunct="1">
+    <a:lvl2pPr marL="457200" algn="l" defTabSz="457200" rtl="0" eaLnBrk="1" latinLnBrk="0" hangingPunct="1">
       <a:defRPr sz="1800" kern="1200">
         <a:solidFill>
           <a:schemeClr val="tx1"/>
@@ -34,7 +34,7 @@
         <a:cs typeface="+mn-cs"/>
       </a:defRPr>
     </a:lvl2pPr>
-    <a:lvl3pPr marL="914400" algn="l" defTabSz="914400" rtl="0" eaLnBrk="1" latinLnBrk="0" hangingPunct="1">
+    <a:lvl3pPr marL="914400" algn="l" defTabSz="457200" rtl="0" eaLnBrk="1" latinLnBrk="0" hangingPunct="1">
       <a:defRPr sz="1800" kern="1200">
         <a:solidFill>
           <a:schemeClr val="tx1"/>
@@ -44,7 +44,7 @@
         <a:cs typeface="+mn-cs"/>
       </a:defRPr>
     </a:lvl3pPr>
-    <a:lvl4pPr marL="1371600" algn="l" defTabSz="914400" rtl="0" eaLnBrk="1" latinLnBrk="0" hangingPunct="1">
+    <a:lvl4pPr marL="1371600" algn="l" defTabSz="457200" rtl="0" eaLnBrk="1" latinLnBrk="0" hangingPunct="1">
       <a:defRPr sz="1800" kern="1200">
         <a:solidFill>
           <a:schemeClr val="tx1"/>
@@ -54,7 +54,7 @@
         <a:cs typeface="+mn-cs"/>
       </a:defRPr>
     </a:lvl4pPr>
-    <a:lvl5pPr marL="1828800" algn="l" defTabSz="914400" rtl="0" eaLnBrk="1" latinLnBrk="0" hangingPunct="1">
+    <a:lvl5pPr marL="1828800" algn="l" defTabSz="457200" rtl="0" eaLnBrk="1" latinLnBrk="0" hangingPunct="1">
       <a:defRPr sz="1800" kern="1200">
         <a:solidFill>
           <a:schemeClr val="tx1"/>
@@ -64,7 +64,7 @@
         <a:cs typeface="+mn-cs"/>
       </a:defRPr>
     </a:lvl5pPr>
-    <a:lvl6pPr marL="2286000" algn="l" defTabSz="914400" rtl="0" eaLnBrk="1" latinLnBrk="0" hangingPunct="1">
+    <a:lvl6pPr marL="2286000" algn="l" defTabSz="457200" rtl="0" eaLnBrk="1" latinLnBrk="0" hangingPunct="1">
       <a:defRPr sz="1800" kern="1200">
         <a:solidFill>
           <a:schemeClr val="tx1"/>
@@ -74,7 +74,7 @@
         <a:cs typeface="+mn-cs"/>
       </a:defRPr>
     </a:lvl6pPr>
-    <a:lvl7pPr marL="2743200" algn="l" defTabSz="914400" rtl="0" eaLnBrk="1" latinLnBrk="0" hangingPunct="1">
+    <a:lvl7pPr marL="2743200" algn="l" defTabSz="457200" rtl="0" eaLnBrk="1" latinLnBrk="0" hangingPunct="1">
       <a:defRPr sz="1800" kern="1200">
         <a:solidFill>
           <a:schemeClr val="tx1"/>
@@ -84,7 +84,7 @@
         <a:cs typeface="+mn-cs"/>
       </a:defRPr>
     </a:lvl7pPr>
-    <a:lvl8pPr marL="3200400" algn="l" defTabSz="914400" rtl="0" eaLnBrk="1" latinLnBrk="0" hangingPunct="1">
+    <a:lvl8pPr marL="3200400" algn="l" defTabSz="457200" rtl="0" eaLnBrk="1" latinLnBrk="0" hangingPunct="1">
       <a:defRPr sz="1800" kern="1200">
         <a:solidFill>
           <a:schemeClr val="tx1"/>
@@ -94,7 +94,7 @@
         <a:cs typeface="+mn-cs"/>
       </a:defRPr>
     </a:lvl8pPr>
-    <a:lvl9pPr marL="3657600" algn="l" defTabSz="914400" rtl="0" eaLnBrk="1" latinLnBrk="0" hangingPunct="1">
+    <a:lvl9pPr marL="3657600" algn="l" defTabSz="457200" rtl="0" eaLnBrk="1" latinLnBrk="0" hangingPunct="1">
       <a:defRPr sz="1800" kern="1200">
         <a:solidFill>
           <a:schemeClr val="tx1"/>
@@ -142,8 +142,8 @@
         </p:nvSpPr>
         <p:spPr>
           <a:xfrm>
-            <a:off x="1524000" y="1122363"/>
-            <a:ext cx="9144000" cy="2387600"/>
+            <a:off x="1838921" y="1122363"/>
+            <a:ext cx="11033522" cy="2387600"/>
           </a:xfrm>
         </p:spPr>
         <p:txBody>
@@ -158,7 +158,7 @@
               <a:rPr lang="en-US" smtClean="0"/>
               <a:t>Click to edit Master title style</a:t>
             </a:r>
-            <a:endParaRPr lang="en-GB"/>
+            <a:endParaRPr lang="en-US" dirty="0"/>
           </a:p>
         </p:txBody>
       </p:sp>
@@ -174,8 +174,8 @@
         </p:nvSpPr>
         <p:spPr>
           <a:xfrm>
-            <a:off x="1524000" y="3602038"/>
-            <a:ext cx="9144000" cy="1655762"/>
+            <a:off x="1838921" y="3602038"/>
+            <a:ext cx="11033522" cy="1655762"/>
           </a:xfrm>
         </p:spPr>
         <p:txBody>
@@ -223,7 +223,7 @@
               <a:rPr lang="en-US" smtClean="0"/>
               <a:t>Click to edit Master subtitle style</a:t>
             </a:r>
-            <a:endParaRPr lang="en-GB"/>
+            <a:endParaRPr lang="en-US" dirty="0"/>
           </a:p>
         </p:txBody>
       </p:sp>
@@ -244,7 +244,7 @@
           <a:p>
             <a:fld id="{2F7FF42A-BB86-47C7-BAE0-10102936D116}" type="datetimeFigureOut">
               <a:rPr lang="en-GB" smtClean="0"/>
-              <a:t>04/12/2019</a:t>
+              <a:t>05/12/2019</a:t>
             </a:fld>
             <a:endParaRPr lang="en-GB"/>
           </a:p>
@@ -295,7 +295,7 @@
     </p:spTree>
     <p:extLst>
       <p:ext uri="{BB962C8B-B14F-4D97-AF65-F5344CB8AC3E}">
-        <p14:creationId xmlns:p14="http://schemas.microsoft.com/office/powerpoint/2010/main" val="236509379"/>
+        <p14:creationId xmlns:p14="http://schemas.microsoft.com/office/powerpoint/2010/main" val="2470024888"/>
       </p:ext>
     </p:extLst>
   </p:cSld>
@@ -341,7 +341,7 @@
               <a:rPr lang="en-US" smtClean="0"/>
               <a:t>Click to edit Master title style</a:t>
             </a:r>
-            <a:endParaRPr lang="en-GB"/>
+            <a:endParaRPr lang="en-US" dirty="0"/>
           </a:p>
         </p:txBody>
       </p:sp>
@@ -393,7 +393,7 @@
               <a:rPr lang="en-US" smtClean="0"/>
               <a:t>Fifth level</a:t>
             </a:r>
-            <a:endParaRPr lang="en-GB"/>
+            <a:endParaRPr lang="en-US" dirty="0"/>
           </a:p>
         </p:txBody>
       </p:sp>
@@ -414,7 +414,7 @@
           <a:p>
             <a:fld id="{2F7FF42A-BB86-47C7-BAE0-10102936D116}" type="datetimeFigureOut">
               <a:rPr lang="en-GB" smtClean="0"/>
-              <a:t>04/12/2019</a:t>
+              <a:t>05/12/2019</a:t>
             </a:fld>
             <a:endParaRPr lang="en-GB"/>
           </a:p>
@@ -465,7 +465,7 @@
     </p:spTree>
     <p:extLst>
       <p:ext uri="{BB962C8B-B14F-4D97-AF65-F5344CB8AC3E}">
-        <p14:creationId xmlns:p14="http://schemas.microsoft.com/office/powerpoint/2010/main" val="138896125"/>
+        <p14:creationId xmlns:p14="http://schemas.microsoft.com/office/powerpoint/2010/main" val="2517343239"/>
       </p:ext>
     </p:extLst>
   </p:cSld>
@@ -504,8 +504,8 @@
         </p:nvSpPr>
         <p:spPr>
           <a:xfrm>
-            <a:off x="8724900" y="365125"/>
-            <a:ext cx="2628900" cy="5811838"/>
+            <a:off x="10527819" y="365125"/>
+            <a:ext cx="3172138" cy="5811838"/>
           </a:xfrm>
         </p:spPr>
         <p:txBody>
@@ -516,7 +516,7 @@
               <a:rPr lang="en-US" smtClean="0"/>
               <a:t>Click to edit Master title style</a:t>
             </a:r>
-            <a:endParaRPr lang="en-GB"/>
+            <a:endParaRPr lang="en-US" dirty="0"/>
           </a:p>
         </p:txBody>
       </p:sp>
@@ -532,8 +532,8 @@
         </p:nvSpPr>
         <p:spPr>
           <a:xfrm>
-            <a:off x="838200" y="365125"/>
-            <a:ext cx="7734300" cy="5811838"/>
+            <a:off x="1011406" y="365125"/>
+            <a:ext cx="9332521" cy="5811838"/>
           </a:xfrm>
         </p:spPr>
         <p:txBody>
@@ -573,7 +573,7 @@
               <a:rPr lang="en-US" smtClean="0"/>
               <a:t>Fifth level</a:t>
             </a:r>
-            <a:endParaRPr lang="en-GB"/>
+            <a:endParaRPr lang="en-US" dirty="0"/>
           </a:p>
         </p:txBody>
       </p:sp>
@@ -594,7 +594,7 @@
           <a:p>
             <a:fld id="{2F7FF42A-BB86-47C7-BAE0-10102936D116}" type="datetimeFigureOut">
               <a:rPr lang="en-GB" smtClean="0"/>
-              <a:t>04/12/2019</a:t>
+              <a:t>05/12/2019</a:t>
             </a:fld>
             <a:endParaRPr lang="en-GB"/>
           </a:p>
@@ -645,7 +645,7 @@
     </p:spTree>
     <p:extLst>
       <p:ext uri="{BB962C8B-B14F-4D97-AF65-F5344CB8AC3E}">
-        <p14:creationId xmlns:p14="http://schemas.microsoft.com/office/powerpoint/2010/main" val="2251647297"/>
+        <p14:creationId xmlns:p14="http://schemas.microsoft.com/office/powerpoint/2010/main" val="4163167076"/>
       </p:ext>
     </p:extLst>
   </p:cSld>
@@ -691,7 +691,7 @@
               <a:rPr lang="en-US" smtClean="0"/>
               <a:t>Click to edit Master title style</a:t>
             </a:r>
-            <a:endParaRPr lang="en-GB"/>
+            <a:endParaRPr lang="en-US" dirty="0"/>
           </a:p>
         </p:txBody>
       </p:sp>
@@ -743,7 +743,7 @@
               <a:rPr lang="en-US" smtClean="0"/>
               <a:t>Fifth level</a:t>
             </a:r>
-            <a:endParaRPr lang="en-GB"/>
+            <a:endParaRPr lang="en-US" dirty="0"/>
           </a:p>
         </p:txBody>
       </p:sp>
@@ -764,7 +764,7 @@
           <a:p>
             <a:fld id="{2F7FF42A-BB86-47C7-BAE0-10102936D116}" type="datetimeFigureOut">
               <a:rPr lang="en-GB" smtClean="0"/>
-              <a:t>04/12/2019</a:t>
+              <a:t>05/12/2019</a:t>
             </a:fld>
             <a:endParaRPr lang="en-GB"/>
           </a:p>
@@ -815,7 +815,7 @@
     </p:spTree>
     <p:extLst>
       <p:ext uri="{BB962C8B-B14F-4D97-AF65-F5344CB8AC3E}">
-        <p14:creationId xmlns:p14="http://schemas.microsoft.com/office/powerpoint/2010/main" val="2423320154"/>
+        <p14:creationId xmlns:p14="http://schemas.microsoft.com/office/powerpoint/2010/main" val="4138464328"/>
       </p:ext>
     </p:extLst>
   </p:cSld>
@@ -854,8 +854,8 @@
         </p:nvSpPr>
         <p:spPr>
           <a:xfrm>
-            <a:off x="831850" y="1709738"/>
-            <a:ext cx="10515600" cy="2852737"/>
+            <a:off x="1003744" y="1709739"/>
+            <a:ext cx="12688551" cy="2852737"/>
           </a:xfrm>
         </p:spPr>
         <p:txBody>
@@ -870,7 +870,7 @@
               <a:rPr lang="en-US" smtClean="0"/>
               <a:t>Click to edit Master title style</a:t>
             </a:r>
-            <a:endParaRPr lang="en-GB"/>
+            <a:endParaRPr lang="en-US" dirty="0"/>
           </a:p>
         </p:txBody>
       </p:sp>
@@ -886,8 +886,8 @@
         </p:nvSpPr>
         <p:spPr>
           <a:xfrm>
-            <a:off x="831850" y="4589463"/>
-            <a:ext cx="10515600" cy="1500187"/>
+            <a:off x="1003744" y="4589464"/>
+            <a:ext cx="12688551" cy="1500187"/>
           </a:xfrm>
         </p:spPr>
         <p:txBody>
@@ -1010,7 +1010,7 @@
           <a:p>
             <a:fld id="{2F7FF42A-BB86-47C7-BAE0-10102936D116}" type="datetimeFigureOut">
               <a:rPr lang="en-GB" smtClean="0"/>
-              <a:t>04/12/2019</a:t>
+              <a:t>05/12/2019</a:t>
             </a:fld>
             <a:endParaRPr lang="en-GB"/>
           </a:p>
@@ -1061,7 +1061,7 @@
     </p:spTree>
     <p:extLst>
       <p:ext uri="{BB962C8B-B14F-4D97-AF65-F5344CB8AC3E}">
-        <p14:creationId xmlns:p14="http://schemas.microsoft.com/office/powerpoint/2010/main" val="3636693554"/>
+        <p14:creationId xmlns:p14="http://schemas.microsoft.com/office/powerpoint/2010/main" val="920452485"/>
       </p:ext>
     </p:extLst>
   </p:cSld>
@@ -1107,7 +1107,7 @@
               <a:rPr lang="en-US" smtClean="0"/>
               <a:t>Click to edit Master title style</a:t>
             </a:r>
-            <a:endParaRPr lang="en-GB"/>
+            <a:endParaRPr lang="en-US" dirty="0"/>
           </a:p>
         </p:txBody>
       </p:sp>
@@ -1123,8 +1123,8 @@
         </p:nvSpPr>
         <p:spPr>
           <a:xfrm>
-            <a:off x="838200" y="1825625"/>
-            <a:ext cx="5181600" cy="4351338"/>
+            <a:off x="1011406" y="1825625"/>
+            <a:ext cx="6252329" cy="4351338"/>
           </a:xfrm>
         </p:spPr>
         <p:txBody>
@@ -1164,7 +1164,7 @@
               <a:rPr lang="en-US" smtClean="0"/>
               <a:t>Fifth level</a:t>
             </a:r>
-            <a:endParaRPr lang="en-GB"/>
+            <a:endParaRPr lang="en-US" dirty="0"/>
           </a:p>
         </p:txBody>
       </p:sp>
@@ -1180,8 +1180,8 @@
         </p:nvSpPr>
         <p:spPr>
           <a:xfrm>
-            <a:off x="6172200" y="1825625"/>
-            <a:ext cx="5181600" cy="4351338"/>
+            <a:off x="7447628" y="1825625"/>
+            <a:ext cx="6252329" cy="4351338"/>
           </a:xfrm>
         </p:spPr>
         <p:txBody>
@@ -1221,7 +1221,7 @@
               <a:rPr lang="en-US" smtClean="0"/>
               <a:t>Fifth level</a:t>
             </a:r>
-            <a:endParaRPr lang="en-GB"/>
+            <a:endParaRPr lang="en-US" dirty="0"/>
           </a:p>
         </p:txBody>
       </p:sp>
@@ -1242,7 +1242,7 @@
           <a:p>
             <a:fld id="{2F7FF42A-BB86-47C7-BAE0-10102936D116}" type="datetimeFigureOut">
               <a:rPr lang="en-GB" smtClean="0"/>
-              <a:t>04/12/2019</a:t>
+              <a:t>05/12/2019</a:t>
             </a:fld>
             <a:endParaRPr lang="en-GB"/>
           </a:p>
@@ -1293,7 +1293,7 @@
     </p:spTree>
     <p:extLst>
       <p:ext uri="{BB962C8B-B14F-4D97-AF65-F5344CB8AC3E}">
-        <p14:creationId xmlns:p14="http://schemas.microsoft.com/office/powerpoint/2010/main" val="4186847073"/>
+        <p14:creationId xmlns:p14="http://schemas.microsoft.com/office/powerpoint/2010/main" val="3515166751"/>
       </p:ext>
     </p:extLst>
   </p:cSld>
@@ -1332,8 +1332,8 @@
         </p:nvSpPr>
         <p:spPr>
           <a:xfrm>
-            <a:off x="839788" y="365125"/>
-            <a:ext cx="10515600" cy="1325563"/>
+            <a:off x="1013322" y="365126"/>
+            <a:ext cx="12688551" cy="1325563"/>
           </a:xfrm>
         </p:spPr>
         <p:txBody>
@@ -1344,7 +1344,7 @@
               <a:rPr lang="en-US" smtClean="0"/>
               <a:t>Click to edit Master title style</a:t>
             </a:r>
-            <a:endParaRPr lang="en-GB"/>
+            <a:endParaRPr lang="en-US" dirty="0"/>
           </a:p>
         </p:txBody>
       </p:sp>
@@ -1360,8 +1360,8 @@
         </p:nvSpPr>
         <p:spPr>
           <a:xfrm>
-            <a:off x="839788" y="1681163"/>
-            <a:ext cx="5157787" cy="823912"/>
+            <a:off x="1013323" y="1681163"/>
+            <a:ext cx="6223596" cy="823912"/>
           </a:xfrm>
         </p:spPr>
         <p:txBody>
@@ -1425,8 +1425,8 @@
         </p:nvSpPr>
         <p:spPr>
           <a:xfrm>
-            <a:off x="839788" y="2505075"/>
-            <a:ext cx="5157787" cy="3684588"/>
+            <a:off x="1013323" y="2505075"/>
+            <a:ext cx="6223596" cy="3684588"/>
           </a:xfrm>
         </p:spPr>
         <p:txBody>
@@ -1466,7 +1466,7 @@
               <a:rPr lang="en-US" smtClean="0"/>
               <a:t>Fifth level</a:t>
             </a:r>
-            <a:endParaRPr lang="en-GB"/>
+            <a:endParaRPr lang="en-US" dirty="0"/>
           </a:p>
         </p:txBody>
       </p:sp>
@@ -1482,8 +1482,8 @@
         </p:nvSpPr>
         <p:spPr>
           <a:xfrm>
-            <a:off x="6172200" y="1681163"/>
-            <a:ext cx="5183188" cy="823912"/>
+            <a:off x="7447628" y="1681163"/>
+            <a:ext cx="6254245" cy="823912"/>
           </a:xfrm>
         </p:spPr>
         <p:txBody>
@@ -1547,8 +1547,8 @@
         </p:nvSpPr>
         <p:spPr>
           <a:xfrm>
-            <a:off x="6172200" y="2505075"/>
-            <a:ext cx="5183188" cy="3684588"/>
+            <a:off x="7447628" y="2505075"/>
+            <a:ext cx="6254245" cy="3684588"/>
           </a:xfrm>
         </p:spPr>
         <p:txBody>
@@ -1588,7 +1588,7 @@
               <a:rPr lang="en-US" smtClean="0"/>
               <a:t>Fifth level</a:t>
             </a:r>
-            <a:endParaRPr lang="en-GB"/>
+            <a:endParaRPr lang="en-US" dirty="0"/>
           </a:p>
         </p:txBody>
       </p:sp>
@@ -1609,7 +1609,7 @@
           <a:p>
             <a:fld id="{2F7FF42A-BB86-47C7-BAE0-10102936D116}" type="datetimeFigureOut">
               <a:rPr lang="en-GB" smtClean="0"/>
-              <a:t>04/12/2019</a:t>
+              <a:t>05/12/2019</a:t>
             </a:fld>
             <a:endParaRPr lang="en-GB"/>
           </a:p>
@@ -1660,7 +1660,7 @@
     </p:spTree>
     <p:extLst>
       <p:ext uri="{BB962C8B-B14F-4D97-AF65-F5344CB8AC3E}">
-        <p14:creationId xmlns:p14="http://schemas.microsoft.com/office/powerpoint/2010/main" val="3788337656"/>
+        <p14:creationId xmlns:p14="http://schemas.microsoft.com/office/powerpoint/2010/main" val="889306953"/>
       </p:ext>
     </p:extLst>
   </p:cSld>
@@ -1706,7 +1706,7 @@
               <a:rPr lang="en-US" smtClean="0"/>
               <a:t>Click to edit Master title style</a:t>
             </a:r>
-            <a:endParaRPr lang="en-GB"/>
+            <a:endParaRPr lang="en-US" dirty="0"/>
           </a:p>
         </p:txBody>
       </p:sp>
@@ -1727,7 +1727,7 @@
           <a:p>
             <a:fld id="{2F7FF42A-BB86-47C7-BAE0-10102936D116}" type="datetimeFigureOut">
               <a:rPr lang="en-GB" smtClean="0"/>
-              <a:t>04/12/2019</a:t>
+              <a:t>05/12/2019</a:t>
             </a:fld>
             <a:endParaRPr lang="en-GB"/>
           </a:p>
@@ -1778,7 +1778,7 @@
     </p:spTree>
     <p:extLst>
       <p:ext uri="{BB962C8B-B14F-4D97-AF65-F5344CB8AC3E}">
-        <p14:creationId xmlns:p14="http://schemas.microsoft.com/office/powerpoint/2010/main" val="1541791615"/>
+        <p14:creationId xmlns:p14="http://schemas.microsoft.com/office/powerpoint/2010/main" val="1171771906"/>
       </p:ext>
     </p:extLst>
   </p:cSld>
@@ -1822,7 +1822,7 @@
           <a:p>
             <a:fld id="{2F7FF42A-BB86-47C7-BAE0-10102936D116}" type="datetimeFigureOut">
               <a:rPr lang="en-GB" smtClean="0"/>
-              <a:t>04/12/2019</a:t>
+              <a:t>05/12/2019</a:t>
             </a:fld>
             <a:endParaRPr lang="en-GB"/>
           </a:p>
@@ -1873,7 +1873,7 @@
     </p:spTree>
     <p:extLst>
       <p:ext uri="{BB962C8B-B14F-4D97-AF65-F5344CB8AC3E}">
-        <p14:creationId xmlns:p14="http://schemas.microsoft.com/office/powerpoint/2010/main" val="2570392026"/>
+        <p14:creationId xmlns:p14="http://schemas.microsoft.com/office/powerpoint/2010/main" val="912245872"/>
       </p:ext>
     </p:extLst>
   </p:cSld>
@@ -1912,8 +1912,8 @@
         </p:nvSpPr>
         <p:spPr>
           <a:xfrm>
-            <a:off x="839788" y="457200"/>
-            <a:ext cx="3932237" cy="1600200"/>
+            <a:off x="1013323" y="457200"/>
+            <a:ext cx="4744797" cy="1600200"/>
           </a:xfrm>
         </p:spPr>
         <p:txBody>
@@ -1928,7 +1928,7 @@
               <a:rPr lang="en-US" smtClean="0"/>
               <a:t>Click to edit Master title style</a:t>
             </a:r>
-            <a:endParaRPr lang="en-GB"/>
+            <a:endParaRPr lang="en-US" dirty="0"/>
           </a:p>
         </p:txBody>
       </p:sp>
@@ -1944,8 +1944,8 @@
         </p:nvSpPr>
         <p:spPr>
           <a:xfrm>
-            <a:off x="5183188" y="987425"/>
-            <a:ext cx="6172200" cy="4873625"/>
+            <a:off x="6254245" y="987426"/>
+            <a:ext cx="7447628" cy="4873625"/>
           </a:xfrm>
         </p:spPr>
         <p:txBody>
@@ -2013,7 +2013,7 @@
               <a:rPr lang="en-US" smtClean="0"/>
               <a:t>Fifth level</a:t>
             </a:r>
-            <a:endParaRPr lang="en-GB"/>
+            <a:endParaRPr lang="en-US" dirty="0"/>
           </a:p>
         </p:txBody>
       </p:sp>
@@ -2029,8 +2029,8 @@
         </p:nvSpPr>
         <p:spPr>
           <a:xfrm>
-            <a:off x="839788" y="2057400"/>
-            <a:ext cx="3932237" cy="3811588"/>
+            <a:off x="1013323" y="2057400"/>
+            <a:ext cx="4744797" cy="3811588"/>
           </a:xfrm>
         </p:spPr>
         <p:txBody>
@@ -2099,7 +2099,7 @@
           <a:p>
             <a:fld id="{2F7FF42A-BB86-47C7-BAE0-10102936D116}" type="datetimeFigureOut">
               <a:rPr lang="en-GB" smtClean="0"/>
-              <a:t>04/12/2019</a:t>
+              <a:t>05/12/2019</a:t>
             </a:fld>
             <a:endParaRPr lang="en-GB"/>
           </a:p>
@@ -2150,7 +2150,7 @@
     </p:spTree>
     <p:extLst>
       <p:ext uri="{BB962C8B-B14F-4D97-AF65-F5344CB8AC3E}">
-        <p14:creationId xmlns:p14="http://schemas.microsoft.com/office/powerpoint/2010/main" val="3634523611"/>
+        <p14:creationId xmlns:p14="http://schemas.microsoft.com/office/powerpoint/2010/main" val="2367564270"/>
       </p:ext>
     </p:extLst>
   </p:cSld>
@@ -2189,8 +2189,8 @@
         </p:nvSpPr>
         <p:spPr>
           <a:xfrm>
-            <a:off x="839788" y="457200"/>
-            <a:ext cx="3932237" cy="1600200"/>
+            <a:off x="1013323" y="457200"/>
+            <a:ext cx="4744797" cy="1600200"/>
           </a:xfrm>
         </p:spPr>
         <p:txBody>
@@ -2205,7 +2205,7 @@
               <a:rPr lang="en-US" smtClean="0"/>
               <a:t>Click to edit Master title style</a:t>
             </a:r>
-            <a:endParaRPr lang="en-GB"/>
+            <a:endParaRPr lang="en-US" dirty="0"/>
           </a:p>
         </p:txBody>
       </p:sp>
@@ -2213,7 +2213,7 @@
         <p:nvSpPr>
           <p:cNvPr id="3" name="Picture Placeholder 2"/>
           <p:cNvSpPr>
-            <a:spLocks noGrp="1"/>
+            <a:spLocks noGrp="1" noChangeAspect="1"/>
           </p:cNvSpPr>
           <p:nvPr>
             <p:ph type="pic" idx="1"/>
@@ -2221,12 +2221,12 @@
         </p:nvSpPr>
         <p:spPr>
           <a:xfrm>
-            <a:off x="5183188" y="987425"/>
-            <a:ext cx="6172200" cy="4873625"/>
-          </a:xfrm>
-        </p:spPr>
-        <p:txBody>
-          <a:bodyPr/>
+            <a:off x="6254245" y="987426"/>
+            <a:ext cx="7447628" cy="4873625"/>
+          </a:xfrm>
+        </p:spPr>
+        <p:txBody>
+          <a:bodyPr anchor="t"/>
           <a:lstStyle>
             <a:lvl1pPr marL="0" indent="0">
               <a:buNone/>
@@ -2266,7 +2266,11 @@
             </a:lvl9pPr>
           </a:lstStyle>
           <a:p>
-            <a:endParaRPr lang="en-GB"/>
+            <a:r>
+              <a:rPr lang="en-US" smtClean="0"/>
+              <a:t>Click icon to add picture</a:t>
+            </a:r>
+            <a:endParaRPr lang="en-US" dirty="0"/>
           </a:p>
         </p:txBody>
       </p:sp>
@@ -2282,8 +2286,8 @@
         </p:nvSpPr>
         <p:spPr>
           <a:xfrm>
-            <a:off x="839788" y="2057400"/>
-            <a:ext cx="3932237" cy="3811588"/>
+            <a:off x="1013323" y="2057400"/>
+            <a:ext cx="4744797" cy="3811588"/>
           </a:xfrm>
         </p:spPr>
         <p:txBody>
@@ -2352,7 +2356,7 @@
           <a:p>
             <a:fld id="{2F7FF42A-BB86-47C7-BAE0-10102936D116}" type="datetimeFigureOut">
               <a:rPr lang="en-GB" smtClean="0"/>
-              <a:t>04/12/2019</a:t>
+              <a:t>05/12/2019</a:t>
             </a:fld>
             <a:endParaRPr lang="en-GB"/>
           </a:p>
@@ -2403,7 +2407,7 @@
     </p:spTree>
     <p:extLst>
       <p:ext uri="{BB962C8B-B14F-4D97-AF65-F5344CB8AC3E}">
-        <p14:creationId xmlns:p14="http://schemas.microsoft.com/office/powerpoint/2010/main" val="2213324241"/>
+        <p14:creationId xmlns:p14="http://schemas.microsoft.com/office/powerpoint/2010/main" val="1060971107"/>
       </p:ext>
     </p:extLst>
   </p:cSld>
@@ -2447,8 +2451,8 @@
         </p:nvSpPr>
         <p:spPr>
           <a:xfrm>
-            <a:off x="838200" y="365125"/>
-            <a:ext cx="10515600" cy="1325563"/>
+            <a:off x="1011406" y="365126"/>
+            <a:ext cx="12688551" cy="1325563"/>
           </a:xfrm>
           <a:prstGeom prst="rect">
             <a:avLst/>
@@ -2464,7 +2468,7 @@
               <a:rPr lang="en-US" smtClean="0"/>
               <a:t>Click to edit Master title style</a:t>
             </a:r>
-            <a:endParaRPr lang="en-GB"/>
+            <a:endParaRPr lang="en-US" dirty="0"/>
           </a:p>
         </p:txBody>
       </p:sp>
@@ -2480,8 +2484,8 @@
         </p:nvSpPr>
         <p:spPr>
           <a:xfrm>
-            <a:off x="838200" y="1825625"/>
-            <a:ext cx="10515600" cy="4351338"/>
+            <a:off x="1011406" y="1825625"/>
+            <a:ext cx="12688551" cy="4351338"/>
           </a:xfrm>
           <a:prstGeom prst="rect">
             <a:avLst/>
@@ -2526,7 +2530,7 @@
               <a:rPr lang="en-US" smtClean="0"/>
               <a:t>Fifth level</a:t>
             </a:r>
-            <a:endParaRPr lang="en-GB"/>
+            <a:endParaRPr lang="en-US" dirty="0"/>
           </a:p>
         </p:txBody>
       </p:sp>
@@ -2542,8 +2546,8 @@
         </p:nvSpPr>
         <p:spPr>
           <a:xfrm>
-            <a:off x="838200" y="6356350"/>
-            <a:ext cx="2743200" cy="365125"/>
+            <a:off x="1011406" y="6356351"/>
+            <a:ext cx="3310057" cy="365125"/>
           </a:xfrm>
           <a:prstGeom prst="rect">
             <a:avLst/>
@@ -2565,7 +2569,7 @@
           <a:p>
             <a:fld id="{2F7FF42A-BB86-47C7-BAE0-10102936D116}" type="datetimeFigureOut">
               <a:rPr lang="en-GB" smtClean="0"/>
-              <a:t>04/12/2019</a:t>
+              <a:t>05/12/2019</a:t>
             </a:fld>
             <a:endParaRPr lang="en-GB"/>
           </a:p>
@@ -2583,8 +2587,8 @@
         </p:nvSpPr>
         <p:spPr>
           <a:xfrm>
-            <a:off x="4038600" y="6356350"/>
-            <a:ext cx="4114800" cy="365125"/>
+            <a:off x="4873139" y="6356351"/>
+            <a:ext cx="4965085" cy="365125"/>
           </a:xfrm>
           <a:prstGeom prst="rect">
             <a:avLst/>
@@ -2620,8 +2624,8 @@
         </p:nvSpPr>
         <p:spPr>
           <a:xfrm>
-            <a:off x="8610600" y="6356350"/>
-            <a:ext cx="2743200" cy="365125"/>
+            <a:off x="10389900" y="6356351"/>
+            <a:ext cx="3310057" cy="365125"/>
           </a:xfrm>
           <a:prstGeom prst="rect">
             <a:avLst/>
@@ -2652,23 +2656,23 @@
     </p:spTree>
     <p:extLst>
       <p:ext uri="{BB962C8B-B14F-4D97-AF65-F5344CB8AC3E}">
-        <p14:creationId xmlns:p14="http://schemas.microsoft.com/office/powerpoint/2010/main" val="3746182885"/>
+        <p14:creationId xmlns:p14="http://schemas.microsoft.com/office/powerpoint/2010/main" val="2856183566"/>
       </p:ext>
     </p:extLst>
   </p:cSld>
   <p:clrMap bg1="lt1" tx1="dk1" bg2="lt2" tx2="dk2" accent1="accent1" accent2="accent2" accent3="accent3" accent4="accent4" accent5="accent5" accent6="accent6" hlink="hlink" folHlink="folHlink"/>
   <p:sldLayoutIdLst>
-    <p:sldLayoutId id="2147483649" r:id="rId1"/>
-    <p:sldLayoutId id="2147483650" r:id="rId2"/>
-    <p:sldLayoutId id="2147483651" r:id="rId3"/>
-    <p:sldLayoutId id="2147483652" r:id="rId4"/>
-    <p:sldLayoutId id="2147483653" r:id="rId5"/>
-    <p:sldLayoutId id="2147483654" r:id="rId6"/>
-    <p:sldLayoutId id="2147483655" r:id="rId7"/>
-    <p:sldLayoutId id="2147483656" r:id="rId8"/>
-    <p:sldLayoutId id="2147483657" r:id="rId9"/>
-    <p:sldLayoutId id="2147483658" r:id="rId10"/>
-    <p:sldLayoutId id="2147483659" r:id="rId11"/>
+    <p:sldLayoutId id="2147483673" r:id="rId1"/>
+    <p:sldLayoutId id="2147483674" r:id="rId2"/>
+    <p:sldLayoutId id="2147483675" r:id="rId3"/>
+    <p:sldLayoutId id="2147483676" r:id="rId4"/>
+    <p:sldLayoutId id="2147483677" r:id="rId5"/>
+    <p:sldLayoutId id="2147483678" r:id="rId6"/>
+    <p:sldLayoutId id="2147483679" r:id="rId7"/>
+    <p:sldLayoutId id="2147483680" r:id="rId8"/>
+    <p:sldLayoutId id="2147483681" r:id="rId9"/>
+    <p:sldLayoutId id="2147483682" r:id="rId10"/>
+    <p:sldLayoutId id="2147483683" r:id="rId11"/>
   </p:sldLayoutIdLst>
   <p:txStyles>
     <p:titleStyle>
@@ -2972,62 +2976,14 @@
       </p:grpSpPr>
       <p:sp>
         <p:nvSpPr>
-          <p:cNvPr id="119" name="Rectangle 118"/>
-          <p:cNvSpPr/>
-          <p:nvPr/>
-        </p:nvSpPr>
-        <p:spPr>
-          <a:xfrm>
-            <a:off x="123863" y="698562"/>
-            <a:ext cx="2147168" cy="5695532"/>
-          </a:xfrm>
-          <a:prstGeom prst="rect">
-            <a:avLst/>
-          </a:prstGeom>
-          <a:solidFill>
-            <a:schemeClr val="bg1">
-              <a:lumMod val="95000"/>
-            </a:schemeClr>
-          </a:solidFill>
-          <a:ln>
-            <a:noFill/>
-          </a:ln>
-        </p:spPr>
-        <p:style>
-          <a:lnRef idx="2">
-            <a:schemeClr val="accent1">
-              <a:shade val="50000"/>
-            </a:schemeClr>
-          </a:lnRef>
-          <a:fillRef idx="1">
-            <a:schemeClr val="accent1"/>
-          </a:fillRef>
-          <a:effectRef idx="0">
-            <a:schemeClr val="accent1"/>
-          </a:effectRef>
-          <a:fontRef idx="minor">
-            <a:schemeClr val="lt1"/>
-          </a:fontRef>
-        </p:style>
-        <p:txBody>
-          <a:bodyPr rtlCol="0" anchor="ctr"/>
-          <a:lstStyle/>
-          <a:p>
-            <a:pPr algn="ctr"/>
-            <a:endParaRPr lang="en-GB"/>
-          </a:p>
-        </p:txBody>
-      </p:sp>
-      <p:sp>
-        <p:nvSpPr>
           <p:cNvPr id="104" name="Rectangle 103"/>
           <p:cNvSpPr/>
           <p:nvPr/>
         </p:nvSpPr>
         <p:spPr>
           <a:xfrm>
-            <a:off x="2392325" y="63793"/>
-            <a:ext cx="9622465" cy="6730409"/>
+            <a:off x="3520500" y="53160"/>
+            <a:ext cx="10152724" cy="6730409"/>
           </a:xfrm>
           <a:prstGeom prst="rect">
             <a:avLst/>
@@ -3074,14 +3030,14 @@
       </p:sp>
       <p:sp>
         <p:nvSpPr>
-          <p:cNvPr id="100" name="Rectangle 99"/>
+          <p:cNvPr id="60" name="Rectangle 59"/>
           <p:cNvSpPr/>
           <p:nvPr/>
         </p:nvSpPr>
         <p:spPr>
-          <a:xfrm>
-            <a:off x="5564046" y="179430"/>
-            <a:ext cx="6340927" cy="467395"/>
+          <a:xfrm rot="16200000">
+            <a:off x="10490908" y="3289122"/>
+            <a:ext cx="5659702" cy="467395"/>
           </a:xfrm>
           <a:prstGeom prst="rect">
             <a:avLst/>
@@ -3122,14 +3078,14 @@
       </p:sp>
       <p:sp>
         <p:nvSpPr>
-          <p:cNvPr id="101" name="Rectangle 100"/>
+          <p:cNvPr id="119" name="Rectangle 118"/>
           <p:cNvSpPr/>
           <p:nvPr/>
         </p:nvSpPr>
         <p:spPr>
           <a:xfrm>
-            <a:off x="3046809" y="179430"/>
-            <a:ext cx="2444777" cy="467395"/>
+            <a:off x="1252036" y="687926"/>
+            <a:ext cx="2147168" cy="5695532"/>
           </a:xfrm>
           <a:prstGeom prst="rect">
             <a:avLst/>
@@ -3170,14 +3126,14 @@
       </p:sp>
       <p:sp>
         <p:nvSpPr>
-          <p:cNvPr id="88" name="Rectangle 87"/>
+          <p:cNvPr id="100" name="Rectangle 99"/>
           <p:cNvSpPr/>
           <p:nvPr/>
         </p:nvSpPr>
         <p:spPr>
           <a:xfrm>
-            <a:off x="3042450" y="2420085"/>
-            <a:ext cx="2444777" cy="1320405"/>
+            <a:off x="6692221" y="168797"/>
+            <a:ext cx="6340927" cy="467395"/>
           </a:xfrm>
           <a:prstGeom prst="rect">
             <a:avLst/>
@@ -3218,14 +3174,14 @@
       </p:sp>
       <p:sp>
         <p:nvSpPr>
-          <p:cNvPr id="89" name="Rectangle 88"/>
+          <p:cNvPr id="101" name="Rectangle 100"/>
           <p:cNvSpPr/>
           <p:nvPr/>
         </p:nvSpPr>
         <p:spPr>
           <a:xfrm>
-            <a:off x="3039680" y="3801357"/>
-            <a:ext cx="2451127" cy="2556908"/>
+            <a:off x="4174985" y="168797"/>
+            <a:ext cx="2444776" cy="467395"/>
           </a:xfrm>
           <a:prstGeom prst="rect">
             <a:avLst/>
@@ -3266,14 +3222,14 @@
       </p:sp>
       <p:sp>
         <p:nvSpPr>
-          <p:cNvPr id="90" name="Rectangle 89"/>
+          <p:cNvPr id="88" name="Rectangle 87"/>
           <p:cNvSpPr/>
           <p:nvPr/>
         </p:nvSpPr>
         <p:spPr>
           <a:xfrm>
-            <a:off x="5559886" y="2422007"/>
-            <a:ext cx="6338805" cy="1318483"/>
+            <a:off x="4170626" y="2409452"/>
+            <a:ext cx="2444776" cy="1320405"/>
           </a:xfrm>
           <a:prstGeom prst="rect">
             <a:avLst/>
@@ -3314,14 +3270,14 @@
       </p:sp>
       <p:sp>
         <p:nvSpPr>
-          <p:cNvPr id="91" name="Rectangle 90"/>
+          <p:cNvPr id="89" name="Rectangle 88"/>
           <p:cNvSpPr/>
           <p:nvPr/>
         </p:nvSpPr>
         <p:spPr>
           <a:xfrm>
-            <a:off x="5564046" y="3803290"/>
-            <a:ext cx="6331293" cy="2554975"/>
+            <a:off x="4167856" y="3790722"/>
+            <a:ext cx="2451127" cy="2556908"/>
           </a:xfrm>
           <a:prstGeom prst="rect">
             <a:avLst/>
@@ -3362,14 +3318,14 @@
       </p:sp>
       <p:sp>
         <p:nvSpPr>
-          <p:cNvPr id="87" name="Rectangle 86"/>
+          <p:cNvPr id="90" name="Rectangle 89"/>
           <p:cNvSpPr/>
           <p:nvPr/>
         </p:nvSpPr>
         <p:spPr>
           <a:xfrm>
-            <a:off x="5556917" y="698564"/>
-            <a:ext cx="6340927" cy="1657395"/>
+            <a:off x="6688062" y="2411374"/>
+            <a:ext cx="6338806" cy="1318483"/>
           </a:xfrm>
           <a:prstGeom prst="rect">
             <a:avLst/>
@@ -3410,14 +3366,14 @@
       </p:sp>
       <p:sp>
         <p:nvSpPr>
-          <p:cNvPr id="86" name="Rectangle 85"/>
+          <p:cNvPr id="91" name="Rectangle 90"/>
           <p:cNvSpPr/>
           <p:nvPr/>
         </p:nvSpPr>
         <p:spPr>
           <a:xfrm>
-            <a:off x="3039680" y="698564"/>
-            <a:ext cx="2444777" cy="1657395"/>
+            <a:off x="6692222" y="3792657"/>
+            <a:ext cx="6331294" cy="2554974"/>
           </a:xfrm>
           <a:prstGeom prst="rect">
             <a:avLst/>
@@ -3458,18 +3414,26 @@
       </p:sp>
       <p:sp>
         <p:nvSpPr>
-          <p:cNvPr id="4" name="Rounded Rectangle 3"/>
+          <p:cNvPr id="87" name="Rectangle 86"/>
           <p:cNvSpPr/>
           <p:nvPr/>
         </p:nvSpPr>
         <p:spPr>
           <a:xfrm>
-            <a:off x="3457674" y="1359573"/>
-            <a:ext cx="1600200" cy="725557"/>
-          </a:xfrm>
-          <a:prstGeom prst="roundRect">
-            <a:avLst/>
-          </a:prstGeom>
+            <a:off x="6685093" y="687931"/>
+            <a:ext cx="6340927" cy="1657395"/>
+          </a:xfrm>
+          <a:prstGeom prst="rect">
+            <a:avLst/>
+          </a:prstGeom>
+          <a:solidFill>
+            <a:schemeClr val="bg1">
+              <a:lumMod val="95000"/>
+            </a:schemeClr>
+          </a:solidFill>
+          <a:ln>
+            <a:noFill/>
+          </a:ln>
         </p:spPr>
         <p:style>
           <a:lnRef idx="2">
@@ -3492,28 +3456,32 @@
           <a:lstStyle/>
           <a:p>
             <a:pPr algn="ctr"/>
-            <a:r>
-              <a:rPr lang="en-GB" dirty="0" smtClean="0"/>
-              <a:t>Databases</a:t>
-            </a:r>
-            <a:endParaRPr lang="en-GB" dirty="0"/>
-          </a:p>
-        </p:txBody>
-      </p:sp>
-      <p:sp>
-        <p:nvSpPr>
-          <p:cNvPr id="5" name="Rounded Rectangle 4"/>
+            <a:endParaRPr lang="en-GB"/>
+          </a:p>
+        </p:txBody>
+      </p:sp>
+      <p:sp>
+        <p:nvSpPr>
+          <p:cNvPr id="86" name="Rectangle 85"/>
           <p:cNvSpPr/>
           <p:nvPr/>
         </p:nvSpPr>
         <p:spPr>
           <a:xfrm>
-            <a:off x="3457674" y="2804060"/>
-            <a:ext cx="1600200" cy="725557"/>
-          </a:xfrm>
-          <a:prstGeom prst="roundRect">
-            <a:avLst/>
-          </a:prstGeom>
+            <a:off x="4167856" y="687931"/>
+            <a:ext cx="2444776" cy="1657395"/>
+          </a:xfrm>
+          <a:prstGeom prst="rect">
+            <a:avLst/>
+          </a:prstGeom>
+          <a:solidFill>
+            <a:schemeClr val="bg1">
+              <a:lumMod val="95000"/>
+            </a:schemeClr>
+          </a:solidFill>
+          <a:ln>
+            <a:noFill/>
+          </a:ln>
         </p:spPr>
         <p:style>
           <a:lnRef idx="2">
@@ -3536,31 +3504,24 @@
           <a:lstStyle/>
           <a:p>
             <a:pPr algn="ctr"/>
-            <a:r>
-              <a:rPr lang="en-GB" dirty="0" smtClean="0"/>
-              <a:t>Metrics</a:t>
-            </a:r>
-            <a:endParaRPr lang="en-GB" dirty="0"/>
-          </a:p>
-        </p:txBody>
-      </p:sp>
-      <p:sp>
-        <p:nvSpPr>
-          <p:cNvPr id="6" name="Rounded Rectangle 5"/>
+            <a:endParaRPr lang="en-GB"/>
+          </a:p>
+        </p:txBody>
+      </p:sp>
+      <p:sp>
+        <p:nvSpPr>
+          <p:cNvPr id="4" name="Rounded Rectangle 3"/>
           <p:cNvSpPr/>
           <p:nvPr/>
         </p:nvSpPr>
         <p:spPr>
           <a:xfrm>
-            <a:off x="3457674" y="4975856"/>
+            <a:off x="4585847" y="1348941"/>
             <a:ext cx="1600200" cy="725557"/>
           </a:xfrm>
           <a:prstGeom prst="roundRect">
             <a:avLst/>
           </a:prstGeom>
-          <a:ln>
-            <a:prstDash val="solid"/>
-          </a:ln>
         </p:spPr>
         <p:style>
           <a:lnRef idx="2">
@@ -3584,17 +3545,108 @@
           <a:p>
             <a:pPr algn="ctr"/>
             <a:r>
-              <a:rPr lang="en-GB" sz="1600" dirty="0" smtClean="0"/>
+              <a:rPr lang="en-GB" dirty="0"/>
+              <a:t>Databases</a:t>
+            </a:r>
+            <a:endParaRPr lang="en-GB" dirty="0"/>
+          </a:p>
+        </p:txBody>
+      </p:sp>
+      <p:sp>
+        <p:nvSpPr>
+          <p:cNvPr id="5" name="Rounded Rectangle 4"/>
+          <p:cNvSpPr/>
+          <p:nvPr/>
+        </p:nvSpPr>
+        <p:spPr>
+          <a:xfrm>
+            <a:off x="4585847" y="2793428"/>
+            <a:ext cx="1600200" cy="725557"/>
+          </a:xfrm>
+          <a:prstGeom prst="roundRect">
+            <a:avLst/>
+          </a:prstGeom>
+        </p:spPr>
+        <p:style>
+          <a:lnRef idx="2">
+            <a:schemeClr val="accent1">
+              <a:shade val="50000"/>
+            </a:schemeClr>
+          </a:lnRef>
+          <a:fillRef idx="1">
+            <a:schemeClr val="accent1"/>
+          </a:fillRef>
+          <a:effectRef idx="0">
+            <a:schemeClr val="accent1"/>
+          </a:effectRef>
+          <a:fontRef idx="minor">
+            <a:schemeClr val="lt1"/>
+          </a:fontRef>
+        </p:style>
+        <p:txBody>
+          <a:bodyPr rtlCol="0" anchor="ctr"/>
+          <a:lstStyle/>
+          <a:p>
+            <a:pPr algn="ctr"/>
+            <a:r>
+              <a:rPr lang="en-GB" dirty="0"/>
+              <a:t>Metrics</a:t>
+            </a:r>
+            <a:endParaRPr lang="en-GB" dirty="0"/>
+          </a:p>
+        </p:txBody>
+      </p:sp>
+      <p:sp>
+        <p:nvSpPr>
+          <p:cNvPr id="6" name="Rounded Rectangle 5"/>
+          <p:cNvSpPr/>
+          <p:nvPr/>
+        </p:nvSpPr>
+        <p:spPr>
+          <a:xfrm>
+            <a:off x="4585847" y="4965224"/>
+            <a:ext cx="1600200" cy="725557"/>
+          </a:xfrm>
+          <a:prstGeom prst="roundRect">
+            <a:avLst/>
+          </a:prstGeom>
+          <a:ln>
+            <a:prstDash val="solid"/>
+          </a:ln>
+        </p:spPr>
+        <p:style>
+          <a:lnRef idx="2">
+            <a:schemeClr val="accent1">
+              <a:shade val="50000"/>
+            </a:schemeClr>
+          </a:lnRef>
+          <a:fillRef idx="1">
+            <a:schemeClr val="accent1"/>
+          </a:fillRef>
+          <a:effectRef idx="0">
+            <a:schemeClr val="accent1"/>
+          </a:effectRef>
+          <a:fontRef idx="minor">
+            <a:schemeClr val="lt1"/>
+          </a:fontRef>
+        </p:style>
+        <p:txBody>
+          <a:bodyPr rtlCol="0" anchor="ctr"/>
+          <a:lstStyle/>
+          <a:p>
+            <a:pPr algn="ctr"/>
+            <a:r>
+              <a:rPr lang="en-GB" sz="1599" dirty="0"/>
               <a:t>Time Correlated</a:t>
             </a:r>
             <a:br>
-              <a:rPr lang="en-GB" sz="1600" dirty="0" smtClean="0"/>
+              <a:rPr lang="en-GB" sz="1599" dirty="0"/>
             </a:br>
             <a:r>
-              <a:rPr lang="en-GB" sz="1600" dirty="0" smtClean="0"/>
+              <a:rPr lang="en-GB" sz="1599" dirty="0"/>
               <a:t>Objects</a:t>
             </a:r>
-            <a:endParaRPr lang="en-GB" sz="1600" dirty="0"/>
+            <a:endParaRPr lang="en-GB" sz="1599" dirty="0"/>
           </a:p>
         </p:txBody>
       </p:sp>
@@ -3609,7 +3661,7 @@
         </p:nvCxnSpPr>
         <p:spPr>
           <a:xfrm>
-            <a:off x="4257774" y="2085130"/>
+            <a:off x="5385947" y="2074495"/>
             <a:ext cx="0" cy="718930"/>
           </a:xfrm>
           <a:prstGeom prst="straightConnector1">
@@ -3645,7 +3697,7 @@
         </p:nvCxnSpPr>
         <p:spPr>
           <a:xfrm>
-            <a:off x="4257774" y="3529617"/>
+            <a:off x="5385947" y="3518985"/>
             <a:ext cx="0" cy="1446239"/>
           </a:xfrm>
           <a:prstGeom prst="straightConnector1">
@@ -3678,8 +3730,8 @@
         </p:nvSpPr>
         <p:spPr>
           <a:xfrm>
-            <a:off x="7254422" y="3966658"/>
-            <a:ext cx="834886" cy="518490"/>
+            <a:off x="8382596" y="3956023"/>
+            <a:ext cx="834887" cy="518490"/>
           </a:xfrm>
           <a:prstGeom prst="roundRect">
             <a:avLst/>
@@ -3713,18 +3765,17 @@
           <a:p>
             <a:pPr algn="ctr"/>
             <a:r>
-              <a:rPr lang="en-GB" sz="1400" dirty="0" smtClean="0">
+              <a:rPr lang="en-GB" sz="1400" dirty="0">
                 <a:solidFill>
                   <a:schemeClr val="tx1"/>
                 </a:solidFill>
               </a:rPr>
               <a:t>Level 1 Folders</a:t>
             </a:r>
-            <a:endParaRPr lang="en-GB" sz="1400" b="0" i="0" dirty="0" smtClean="0">
+            <a:endParaRPr lang="en-GB" sz="1400" dirty="0">
               <a:solidFill>
                 <a:schemeClr val="tx1"/>
               </a:solidFill>
-              <a:effectLst/>
               <a:latin typeface="Helvetica" panose="020B0604020202020204" pitchFamily="34" charset="0"/>
             </a:endParaRPr>
           </a:p>
@@ -3738,7 +3789,7 @@
         </p:nvSpPr>
         <p:spPr>
           <a:xfrm>
-            <a:off x="9155025" y="3276433"/>
+            <a:off x="10283198" y="3265800"/>
             <a:ext cx="2751546" cy="307777"/>
           </a:xfrm>
           <a:prstGeom prst="rect">
@@ -3756,7 +3807,7 @@
               <a:buChar char="•"/>
             </a:pPr>
             <a:r>
-              <a:rPr lang="en-GB" sz="1400" dirty="0" smtClean="0">
+              <a:rPr lang="en-GB" sz="1400" dirty="0">
                 <a:solidFill>
                   <a:srgbClr val="333333"/>
                 </a:solidFill>
@@ -3764,13 +3815,6 @@
               </a:rPr>
               <a:t> Metric Folder: 1 peer Metric Id</a:t>
             </a:r>
-            <a:endParaRPr lang="en-GB" sz="1400" b="0" i="0" dirty="0" smtClean="0">
-              <a:solidFill>
-                <a:srgbClr val="333333"/>
-              </a:solidFill>
-              <a:effectLst/>
-              <a:latin typeface="Helvetica" panose="020B0604020202020204" pitchFamily="34" charset="0"/>
-            </a:endParaRPr>
           </a:p>
         </p:txBody>
       </p:sp>
@@ -3782,7 +3826,7 @@
         </p:nvSpPr>
         <p:spPr>
           <a:xfrm>
-            <a:off x="8059490" y="4488051"/>
+            <a:off x="9187666" y="4477416"/>
             <a:ext cx="893379" cy="518490"/>
           </a:xfrm>
           <a:prstGeom prst="roundRect">
@@ -3817,18 +3861,17 @@
           <a:p>
             <a:pPr algn="ctr"/>
             <a:r>
-              <a:rPr lang="en-GB" sz="1400" dirty="0" smtClean="0">
+              <a:rPr lang="en-GB" sz="1400" dirty="0">
                 <a:solidFill>
                   <a:schemeClr val="tx1"/>
                 </a:solidFill>
               </a:rPr>
               <a:t>Level 2 Folders</a:t>
             </a:r>
-            <a:endParaRPr lang="en-GB" sz="1400" b="0" i="0" dirty="0" smtClean="0">
+            <a:endParaRPr lang="en-GB" sz="1400" dirty="0">
               <a:solidFill>
                 <a:schemeClr val="tx1"/>
               </a:solidFill>
-              <a:effectLst/>
               <a:latin typeface="Helvetica" panose="020B0604020202020204" pitchFamily="34" charset="0"/>
             </a:endParaRPr>
           </a:p>
@@ -3842,7 +3885,7 @@
         </p:nvSpPr>
         <p:spPr>
           <a:xfrm>
-            <a:off x="8665779" y="5077823"/>
+            <a:off x="9793954" y="5067187"/>
             <a:ext cx="1464250" cy="518490"/>
           </a:xfrm>
           <a:prstGeom prst="roundRect">
@@ -3874,18 +3917,17 @@
           <a:p>
             <a:pPr algn="ctr"/>
             <a:r>
-              <a:rPr lang="en-GB" sz="1400" dirty="0" smtClean="0">
+              <a:rPr lang="en-GB" sz="1400" dirty="0">
                 <a:solidFill>
                   <a:schemeClr val="tx1"/>
                 </a:solidFill>
               </a:rPr>
               <a:t>Level 3  - Obj. Store Files</a:t>
             </a:r>
-            <a:endParaRPr lang="en-GB" sz="1400" b="0" i="0" dirty="0" smtClean="0">
+            <a:endParaRPr lang="en-GB" sz="1400" dirty="0">
               <a:solidFill>
                 <a:schemeClr val="tx1"/>
               </a:solidFill>
-              <a:effectLst/>
               <a:latin typeface="Helvetica" panose="020B0604020202020204" pitchFamily="34" charset="0"/>
             </a:endParaRPr>
           </a:p>
@@ -3899,7 +3941,7 @@
         </p:nvSpPr>
         <p:spPr>
           <a:xfrm>
-            <a:off x="6465636" y="2804061"/>
+            <a:off x="7593810" y="2793429"/>
             <a:ext cx="998882" cy="725557"/>
           </a:xfrm>
           <a:prstGeom prst="roundRect">
@@ -3934,7 +3976,7 @@
           <a:p>
             <a:pPr algn="ctr"/>
             <a:r>
-              <a:rPr lang="en-GB" sz="1400" dirty="0" smtClean="0">
+              <a:rPr lang="en-GB" sz="1400" dirty="0">
                 <a:solidFill>
                   <a:schemeClr val="tx1"/>
                 </a:solidFill>
@@ -3942,13 +3984,6 @@
               </a:rPr>
               <a:t>Metrics Folders</a:t>
             </a:r>
-            <a:endParaRPr lang="en-GB" sz="1400" b="0" i="0" dirty="0" smtClean="0">
-              <a:solidFill>
-                <a:schemeClr val="tx1"/>
-              </a:solidFill>
-              <a:effectLst/>
-              <a:latin typeface="Helvetica" panose="020B0604020202020204" pitchFamily="34" charset="0"/>
-            </a:endParaRPr>
           </a:p>
         </p:txBody>
       </p:sp>
@@ -3960,7 +3995,7 @@
         </p:nvSpPr>
         <p:spPr>
           <a:xfrm>
-            <a:off x="5742364" y="1370083"/>
+            <a:off x="6870537" y="1359450"/>
             <a:ext cx="1167846" cy="701861"/>
           </a:xfrm>
           <a:prstGeom prst="roundRect">
@@ -3995,11 +4030,10 @@
           <a:p>
             <a:pPr algn="ctr"/>
             <a:r>
-              <a:rPr lang="en-GB" sz="1400" b="0" i="0" dirty="0" smtClean="0">
+              <a:rPr lang="en-GB" sz="1400" dirty="0">
                 <a:solidFill>
                   <a:schemeClr val="tx1"/>
                 </a:solidFill>
-                <a:effectLst/>
                 <a:latin typeface="Helvetica" panose="020B0604020202020204" pitchFamily="34" charset="0"/>
               </a:rPr>
               <a:t>Databases Folders</a:t>
@@ -4018,7 +4052,7 @@
         </p:nvCxnSpPr>
         <p:spPr>
           <a:xfrm rot="16200000" flipH="1">
-            <a:off x="5848513" y="2549717"/>
+            <a:off x="6976687" y="2539084"/>
             <a:ext cx="1094896" cy="139349"/>
           </a:xfrm>
           <a:prstGeom prst="bentConnector2">
@@ -4054,7 +4088,7 @@
         </p:nvCxnSpPr>
         <p:spPr>
           <a:xfrm rot="16200000" flipH="1">
-            <a:off x="6761607" y="3733087"/>
+            <a:off x="7889784" y="3722454"/>
             <a:ext cx="696285" cy="289345"/>
           </a:xfrm>
           <a:prstGeom prst="bentConnector2">
@@ -4090,8 +4124,8 @@
         </p:nvCxnSpPr>
         <p:spPr>
           <a:xfrm rot="16200000" flipH="1">
-            <a:off x="7734603" y="4422409"/>
-            <a:ext cx="262148" cy="387625"/>
+            <a:off x="8862777" y="4411776"/>
+            <a:ext cx="262148" cy="387626"/>
           </a:xfrm>
           <a:prstGeom prst="bentConnector2">
             <a:avLst/>
@@ -4126,7 +4160,7 @@
         </p:nvCxnSpPr>
         <p:spPr>
           <a:xfrm rot="16200000" flipH="1">
-            <a:off x="8420716" y="5092004"/>
+            <a:off x="9548893" y="5081372"/>
             <a:ext cx="330527" cy="159599"/>
           </a:xfrm>
           <a:prstGeom prst="bentConnector2">
@@ -4162,7 +4196,7 @@
         </p:nvCxnSpPr>
         <p:spPr>
           <a:xfrm flipV="1">
-            <a:off x="5057874" y="5337068"/>
+            <a:off x="6186049" y="5326435"/>
             <a:ext cx="3607905" cy="1567"/>
           </a:xfrm>
           <a:prstGeom prst="straightConnector1">
@@ -4196,7 +4230,7 @@
         </p:nvSpPr>
         <p:spPr>
           <a:xfrm>
-            <a:off x="9186841" y="4614171"/>
+            <a:off x="10315015" y="4603535"/>
             <a:ext cx="943188" cy="259246"/>
           </a:xfrm>
           <a:prstGeom prst="roundRect">
@@ -4228,18 +4262,17 @@
           <a:p>
             <a:pPr algn="ctr"/>
             <a:r>
-              <a:rPr lang="en-GB" sz="1400" dirty="0" smtClean="0">
+              <a:rPr lang="en-GB" sz="1400" dirty="0">
                 <a:solidFill>
                   <a:schemeClr val="tx1"/>
                 </a:solidFill>
               </a:rPr>
               <a:t>Index File</a:t>
             </a:r>
-            <a:endParaRPr lang="en-GB" sz="1400" b="0" i="0" dirty="0" smtClean="0">
+            <a:endParaRPr lang="en-GB" sz="1400" dirty="0">
               <a:solidFill>
                 <a:schemeClr val="tx1"/>
               </a:solidFill>
-              <a:effectLst/>
               <a:latin typeface="Helvetica" panose="020B0604020202020204" pitchFamily="34" charset="0"/>
             </a:endParaRPr>
           </a:p>
@@ -4256,8 +4289,8 @@
         </p:nvCxnSpPr>
         <p:spPr>
           <a:xfrm flipV="1">
-            <a:off x="8952869" y="4743794"/>
-            <a:ext cx="233972" cy="3502"/>
+            <a:off x="10081043" y="4733160"/>
+            <a:ext cx="233972" cy="3501"/>
           </a:xfrm>
           <a:prstGeom prst="bentConnector3">
             <a:avLst>
@@ -4295,8 +4328,8 @@
         </p:nvCxnSpPr>
         <p:spPr>
           <a:xfrm>
-            <a:off x="8089308" y="4225903"/>
-            <a:ext cx="376321" cy="353"/>
+            <a:off x="9217485" y="4215269"/>
+            <a:ext cx="376321" cy="354"/>
           </a:xfrm>
           <a:prstGeom prst="bentConnector3">
             <a:avLst>
@@ -4331,7 +4364,7 @@
         </p:nvSpPr>
         <p:spPr>
           <a:xfrm>
-            <a:off x="8465629" y="4096633"/>
+            <a:off x="9593803" y="4085999"/>
             <a:ext cx="943188" cy="259246"/>
           </a:xfrm>
           <a:prstGeom prst="roundRect">
@@ -4363,18 +4396,17 @@
           <a:p>
             <a:pPr algn="ctr"/>
             <a:r>
-              <a:rPr lang="en-GB" sz="1400" dirty="0" smtClean="0">
+              <a:rPr lang="en-GB" sz="1400" dirty="0">
                 <a:solidFill>
                   <a:schemeClr val="tx1"/>
                 </a:solidFill>
               </a:rPr>
               <a:t>Index File</a:t>
             </a:r>
-            <a:endParaRPr lang="en-GB" sz="1400" b="0" i="0" dirty="0" smtClean="0">
+            <a:endParaRPr lang="en-GB" sz="1400" dirty="0">
               <a:solidFill>
                 <a:schemeClr val="tx1"/>
               </a:solidFill>
-              <a:effectLst/>
               <a:latin typeface="Helvetica" panose="020B0604020202020204" pitchFamily="34" charset="0"/>
             </a:endParaRPr>
           </a:p>
@@ -4391,7 +4423,7 @@
         </p:nvCxnSpPr>
         <p:spPr>
           <a:xfrm>
-            <a:off x="5057874" y="3166839"/>
+            <a:off x="6186048" y="3156207"/>
             <a:ext cx="1407762" cy="1"/>
           </a:xfrm>
           <a:prstGeom prst="straightConnector1">
@@ -4428,7 +4460,7 @@
         </p:nvCxnSpPr>
         <p:spPr>
           <a:xfrm flipV="1">
-            <a:off x="5057874" y="1721014"/>
+            <a:off x="6186047" y="1710379"/>
             <a:ext cx="684490" cy="1338"/>
           </a:xfrm>
           <a:prstGeom prst="straightConnector1">
@@ -4462,8 +4494,8 @@
         </p:nvSpPr>
         <p:spPr>
           <a:xfrm>
-            <a:off x="3493279" y="113881"/>
-            <a:ext cx="1576394" cy="584775"/>
+            <a:off x="4621455" y="103249"/>
+            <a:ext cx="1564595" cy="584775"/>
           </a:xfrm>
           <a:prstGeom prst="rect">
             <a:avLst/>
@@ -4477,18 +4509,14 @@
           <a:lstStyle/>
           <a:p>
             <a:r>
-              <a:rPr lang="en-GB" sz="2000" dirty="0" smtClean="0"/>
-              <a:t>Logic </a:t>
-            </a:r>
-            <a:r>
-              <a:rPr lang="en-GB" sz="2000" dirty="0" smtClean="0"/>
-              <a:t>Storage</a:t>
+              <a:rPr lang="en-GB" sz="2000" dirty="0"/>
+              <a:t>Logic Storage</a:t>
             </a:r>
             <a:br>
-              <a:rPr lang="en-GB" sz="2000" dirty="0" smtClean="0"/>
+              <a:rPr lang="en-GB" sz="2000" dirty="0"/>
             </a:br>
             <a:r>
-              <a:rPr lang="en-GB" sz="1200" i="1" dirty="0" smtClean="0"/>
+              <a:rPr lang="en-GB" sz="1200" i="1" dirty="0"/>
               <a:t>Multi Cluster / Servers</a:t>
             </a:r>
             <a:endParaRPr lang="en-GB" sz="1200" i="1" dirty="0"/>
@@ -4503,7 +4531,7 @@
         </p:nvSpPr>
         <p:spPr>
           <a:xfrm>
-            <a:off x="7537971" y="117259"/>
+            <a:off x="8666146" y="106623"/>
             <a:ext cx="1859933" cy="892552"/>
           </a:xfrm>
           <a:prstGeom prst="rect">
@@ -4519,26 +4547,22 @@
           <a:p>
             <a:pPr algn="ctr"/>
             <a:r>
-              <a:rPr lang="en-GB" sz="2000" dirty="0" smtClean="0"/>
-              <a:t>Physical </a:t>
-            </a:r>
-            <a:r>
-              <a:rPr lang="en-GB" sz="2000" dirty="0" smtClean="0"/>
-              <a:t>Storage</a:t>
+              <a:rPr lang="en-GB" sz="2000" dirty="0"/>
+              <a:t>Physical Storage</a:t>
             </a:r>
             <a:br>
-              <a:rPr lang="en-GB" sz="2000" dirty="0" smtClean="0"/>
+              <a:rPr lang="en-GB" sz="2000" dirty="0"/>
             </a:br>
             <a:r>
-              <a:rPr lang="en-GB" sz="1200" i="1" dirty="0" smtClean="0"/>
+              <a:rPr lang="en-GB" sz="1200" i="1" dirty="0"/>
               <a:t>Shared distributed FS</a:t>
             </a:r>
             <a:r>
-              <a:rPr lang="en-GB" sz="2000" i="1" dirty="0" smtClean="0"/>
+              <a:rPr lang="en-GB" sz="2000" i="1" dirty="0"/>
               <a:t/>
             </a:r>
             <a:br>
-              <a:rPr lang="en-GB" sz="2000" i="1" dirty="0" smtClean="0"/>
+              <a:rPr lang="en-GB" sz="2000" i="1" dirty="0"/>
             </a:br>
             <a:endParaRPr lang="en-GB" sz="2000" i="1" dirty="0"/>
           </a:p>
@@ -4552,7 +4576,7 @@
         </p:nvSpPr>
         <p:spPr>
           <a:xfrm>
-            <a:off x="8665779" y="2031356"/>
+            <a:off x="9793955" y="2020724"/>
             <a:ext cx="3639205" cy="307777"/>
           </a:xfrm>
           <a:prstGeom prst="rect">
@@ -4570,11 +4594,10 @@
               <a:buChar char="•"/>
             </a:pPr>
             <a:r>
-              <a:rPr lang="en-GB" sz="1400" b="0" i="0" dirty="0" smtClean="0">
+              <a:rPr lang="en-GB" sz="1400" dirty="0">
                 <a:solidFill>
                   <a:srgbClr val="333333"/>
                 </a:solidFill>
-                <a:effectLst/>
                 <a:latin typeface="Helvetica" panose="020B0604020202020204" pitchFamily="34" charset="0"/>
               </a:rPr>
               <a:t> Database Folder: 1 Peer Database Id</a:t>
@@ -4590,8 +4613,8 @@
         </p:nvSpPr>
         <p:spPr>
           <a:xfrm>
-            <a:off x="7742285" y="5631245"/>
-            <a:ext cx="4162688" cy="738664"/>
+            <a:off x="8870459" y="5620609"/>
+            <a:ext cx="4162689" cy="738664"/>
           </a:xfrm>
           <a:prstGeom prst="rect">
             <a:avLst/>
@@ -4608,11 +4631,10 @@
               <a:buChar char="•"/>
             </a:pPr>
             <a:r>
-              <a:rPr lang="en-GB" sz="1400" b="0" i="0" dirty="0" smtClean="0">
+              <a:rPr lang="en-GB" sz="1400" dirty="0">
                 <a:solidFill>
                   <a:srgbClr val="333333"/>
                 </a:solidFill>
-                <a:effectLst/>
                 <a:latin typeface="Helvetica" panose="020B0604020202020204" pitchFamily="34" charset="0"/>
               </a:rPr>
               <a:t> Level 1: YYYY-MM (Max 12 folders per year)</a:t>
@@ -4624,11 +4646,10 @@
               <a:buChar char="•"/>
             </a:pPr>
             <a:r>
-              <a:rPr lang="en-GB" sz="1400" b="0" i="0" dirty="0" smtClean="0">
+              <a:rPr lang="en-GB" sz="1400" dirty="0">
                 <a:solidFill>
                   <a:srgbClr val="333333"/>
                 </a:solidFill>
-                <a:effectLst/>
                 <a:latin typeface="Helvetica" panose="020B0604020202020204" pitchFamily="34" charset="0"/>
               </a:rPr>
               <a:t> Level 2: DD (Max 365 folders per parent)</a:t>
@@ -4640,20 +4661,18 @@
               <a:buChar char="•"/>
             </a:pPr>
             <a:r>
-              <a:rPr lang="en-GB" sz="1400" b="0" i="0" dirty="0" smtClean="0">
+              <a:rPr lang="en-GB" sz="1400" dirty="0">
                 <a:solidFill>
                   <a:srgbClr val="333333"/>
                 </a:solidFill>
-                <a:effectLst/>
                 <a:latin typeface="Helvetica" panose="020B0604020202020204" pitchFamily="34" charset="0"/>
               </a:rPr>
               <a:t> Level 3: One file each 5 minutes - (Max 144 files)</a:t>
             </a:r>
-            <a:endParaRPr lang="en-GB" sz="1400" b="0" i="0" dirty="0">
+            <a:endParaRPr lang="en-GB" sz="1400" dirty="0">
               <a:solidFill>
                 <a:srgbClr val="333333"/>
               </a:solidFill>
-              <a:effectLst/>
               <a:latin typeface="Helvetica" panose="020B0604020202020204" pitchFamily="34" charset="0"/>
             </a:endParaRPr>
           </a:p>
@@ -4667,8 +4686,8 @@
         </p:nvSpPr>
         <p:spPr>
           <a:xfrm>
-            <a:off x="5740489" y="813037"/>
-            <a:ext cx="1167846" cy="369016"/>
+            <a:off x="6868663" y="802403"/>
+            <a:ext cx="1167846" cy="369015"/>
           </a:xfrm>
           <a:prstGeom prst="roundRect">
             <a:avLst/>
@@ -4702,11 +4721,10 @@
           <a:p>
             <a:pPr algn="ctr"/>
             <a:r>
-              <a:rPr lang="en-GB" sz="1400" b="0" i="0" dirty="0" smtClean="0">
+              <a:rPr lang="en-GB" sz="1400" dirty="0">
                 <a:solidFill>
                   <a:schemeClr val="tx1"/>
                 </a:solidFill>
-                <a:effectLst/>
                 <a:latin typeface="Helvetica" panose="020B0604020202020204" pitchFamily="34" charset="0"/>
               </a:rPr>
               <a:t>Data Folder</a:t>
@@ -4725,7 +4743,7 @@
         </p:nvCxnSpPr>
         <p:spPr>
           <a:xfrm rot="16200000" flipH="1">
-            <a:off x="6231334" y="1275130"/>
+            <a:off x="7359507" y="1264496"/>
             <a:ext cx="188030" cy="1875"/>
           </a:xfrm>
           <a:prstGeom prst="bentConnector3">
@@ -4760,7 +4778,7 @@
         </p:nvSpPr>
         <p:spPr>
           <a:xfrm rot="16200000">
-            <a:off x="-91151" y="3294716"/>
+            <a:off x="1037023" y="3284082"/>
             <a:ext cx="5659702" cy="467395"/>
           </a:xfrm>
           <a:prstGeom prst="rect">
@@ -4808,7 +4826,7 @@
         </p:nvSpPr>
         <p:spPr>
           <a:xfrm rot="16200000">
-            <a:off x="2249608" y="3492656"/>
+            <a:off x="3377785" y="3482022"/>
             <a:ext cx="1002197" cy="400110"/>
           </a:xfrm>
           <a:prstGeom prst="rect">
@@ -4823,7 +4841,7 @@
           <a:lstStyle/>
           <a:p>
             <a:r>
-              <a:rPr lang="en-GB" sz="2000" dirty="0" smtClean="0"/>
+              <a:rPr lang="en-GB" sz="2000" dirty="0"/>
               <a:t>API Belt</a:t>
             </a:r>
             <a:endParaRPr lang="en-GB" sz="2000" dirty="0"/>
@@ -4838,7 +4856,7 @@
         </p:nvSpPr>
         <p:spPr>
           <a:xfrm>
-            <a:off x="6005744" y="6394093"/>
+            <a:off x="7133917" y="6383457"/>
             <a:ext cx="2580472" cy="400110"/>
           </a:xfrm>
           <a:prstGeom prst="rect">
@@ -4853,7 +4871,7 @@
           <a:lstStyle/>
           <a:p>
             <a:r>
-              <a:rPr lang="en-GB" sz="2000" dirty="0" smtClean="0"/>
+              <a:rPr lang="en-GB" sz="2000" dirty="0"/>
               <a:t>Time Object Database</a:t>
             </a:r>
             <a:endParaRPr lang="en-GB" sz="2000" dirty="0"/>
@@ -4868,7 +4886,7 @@
         </p:nvSpPr>
         <p:spPr>
           <a:xfrm>
-            <a:off x="127591" y="205773"/>
+            <a:off x="1255764" y="195140"/>
             <a:ext cx="2143440" cy="424465"/>
           </a:xfrm>
           <a:prstGeom prst="rect">
@@ -4916,7 +4934,7 @@
         </p:nvSpPr>
         <p:spPr>
           <a:xfrm>
-            <a:off x="524602" y="230128"/>
+            <a:off x="1652777" y="219493"/>
             <a:ext cx="1345689" cy="400110"/>
           </a:xfrm>
           <a:prstGeom prst="rect">
@@ -4931,7 +4949,7 @@
           <a:lstStyle/>
           <a:p>
             <a:r>
-              <a:rPr lang="en-GB" sz="2000" dirty="0" smtClean="0"/>
+              <a:rPr lang="en-GB" sz="2000" dirty="0"/>
               <a:t>Consumers</a:t>
             </a:r>
             <a:endParaRPr lang="en-GB" sz="2000" dirty="0"/>
@@ -4961,8 +4979,8 @@
         </p:blipFill>
         <p:spPr bwMode="auto">
           <a:xfrm>
-            <a:off x="683022" y="1563616"/>
-            <a:ext cx="917686" cy="880979"/>
+            <a:off x="1811195" y="1552983"/>
+            <a:ext cx="917687" cy="880979"/>
           </a:xfrm>
           <a:prstGeom prst="rect">
             <a:avLst/>
@@ -5002,8 +5020,8 @@
         </p:blipFill>
         <p:spPr bwMode="auto">
           <a:xfrm>
-            <a:off x="813626" y="2695955"/>
-            <a:ext cx="710382" cy="710382"/>
+            <a:off x="1941800" y="2685321"/>
+            <a:ext cx="710381" cy="710381"/>
           </a:xfrm>
           <a:prstGeom prst="rect">
             <a:avLst/>
@@ -5043,8 +5061,8 @@
         </p:blipFill>
         <p:spPr bwMode="auto">
           <a:xfrm>
-            <a:off x="447662" y="3725587"/>
-            <a:ext cx="1067483" cy="321079"/>
+            <a:off x="1575837" y="3714954"/>
+            <a:ext cx="1067484" cy="321079"/>
           </a:xfrm>
           <a:prstGeom prst="rect">
             <a:avLst/>
@@ -5084,7 +5102,7 @@
         </p:blipFill>
         <p:spPr bwMode="auto">
           <a:xfrm>
-            <a:off x="850015" y="4366152"/>
+            <a:off x="1978191" y="4355516"/>
             <a:ext cx="766499" cy="953418"/>
           </a:xfrm>
           <a:prstGeom prst="rect">
@@ -5125,7 +5143,7 @@
         </p:blipFill>
         <p:spPr bwMode="auto">
           <a:xfrm>
-            <a:off x="651123" y="5492950"/>
+            <a:off x="1779296" y="5482313"/>
             <a:ext cx="1023616" cy="498600"/>
           </a:xfrm>
           <a:prstGeom prst="rect">
@@ -5151,8 +5169,8 @@
         </p:nvSpPr>
         <p:spPr>
           <a:xfrm>
-            <a:off x="1222026" y="1370083"/>
-            <a:ext cx="1236318" cy="4796801"/>
+            <a:off x="2350200" y="1359451"/>
+            <a:ext cx="1236317" cy="4796801"/>
           </a:xfrm>
           <a:prstGeom prst="rightBrace">
             <a:avLst>
@@ -5181,6 +5199,36 @@
           <a:p>
             <a:pPr algn="ctr"/>
             <a:endParaRPr lang="en-GB"/>
+          </a:p>
+        </p:txBody>
+      </p:sp>
+      <p:sp>
+        <p:nvSpPr>
+          <p:cNvPr id="55" name="TextBox 54"/>
+          <p:cNvSpPr txBox="1"/>
+          <p:nvPr/>
+        </p:nvSpPr>
+        <p:spPr>
+          <a:xfrm rot="16200000">
+            <a:off x="11495738" y="3335637"/>
+            <a:ext cx="3602846" cy="400110"/>
+          </a:xfrm>
+          <a:prstGeom prst="rect">
+            <a:avLst/>
+          </a:prstGeom>
+          <a:noFill/>
+        </p:spPr>
+        <p:txBody>
+          <a:bodyPr wrap="none" rtlCol="0">
+            <a:spAutoFit/>
+          </a:bodyPr>
+          <a:lstStyle/>
+          <a:p>
+            <a:r>
+              <a:rPr lang="en-GB" sz="2000" dirty="0"/>
+              <a:t>Cross Instances on cluster Events</a:t>
+            </a:r>
+            <a:endParaRPr lang="en-GB" sz="1200" i="1" dirty="0"/>
           </a:p>
         </p:txBody>
       </p:sp>
@@ -5229,8 +5277,8 @@
         </p:nvSpPr>
         <p:spPr>
           <a:xfrm>
-            <a:off x="5895643" y="1553423"/>
-            <a:ext cx="4598196" cy="3110018"/>
+            <a:off x="7155324" y="1553425"/>
+            <a:ext cx="4598196" cy="3110017"/>
           </a:xfrm>
           <a:prstGeom prst="rect">
             <a:avLst/>
@@ -5277,8 +5325,8 @@
         </p:nvSpPr>
         <p:spPr>
           <a:xfrm>
-            <a:off x="1655920" y="1553424"/>
-            <a:ext cx="4158811" cy="3110018"/>
+            <a:off x="2915605" y="1553426"/>
+            <a:ext cx="4158811" cy="3110017"/>
           </a:xfrm>
           <a:prstGeom prst="rect">
             <a:avLst/>
@@ -5325,7 +5373,7 @@
         </p:nvSpPr>
         <p:spPr>
           <a:xfrm>
-            <a:off x="1655921" y="1034289"/>
+            <a:off x="2915603" y="1034292"/>
             <a:ext cx="4158810" cy="467395"/>
           </a:xfrm>
           <a:prstGeom prst="rect">
@@ -5376,8 +5424,8 @@
         </p:nvCxnSpPr>
         <p:spPr>
           <a:xfrm>
-            <a:off x="2904969" y="4251417"/>
-            <a:ext cx="1154250" cy="4363"/>
+            <a:off x="4164653" y="4251419"/>
+            <a:ext cx="1154248" cy="4363"/>
           </a:xfrm>
           <a:prstGeom prst="straightConnector1">
             <a:avLst/>
@@ -5412,8 +5460,8 @@
         </p:nvCxnSpPr>
         <p:spPr>
           <a:xfrm flipV="1">
-            <a:off x="2096625" y="2627532"/>
-            <a:ext cx="1" cy="1338796"/>
+            <a:off x="3356310" y="2627534"/>
+            <a:ext cx="1" cy="1338795"/>
           </a:xfrm>
           <a:prstGeom prst="straightConnector1">
             <a:avLst/>
@@ -5448,8 +5496,8 @@
         </p:nvCxnSpPr>
         <p:spPr>
           <a:xfrm flipV="1">
-            <a:off x="5113098" y="3318708"/>
-            <a:ext cx="361387" cy="434483"/>
+            <a:off x="6372784" y="3318582"/>
+            <a:ext cx="361385" cy="434612"/>
           </a:xfrm>
           <a:prstGeom prst="straightConnector1">
             <a:avLst/>
@@ -5481,8 +5529,8 @@
         </p:nvGrpSpPr>
         <p:grpSpPr>
           <a:xfrm>
-            <a:off x="2517084" y="1764822"/>
-            <a:ext cx="2591182" cy="2182636"/>
+            <a:off x="3776766" y="1764823"/>
+            <a:ext cx="2591181" cy="2182636"/>
             <a:chOff x="3965876" y="1695285"/>
             <a:chExt cx="2591182" cy="2182636"/>
           </a:xfrm>
@@ -5958,8 +6006,8 @@
         </p:nvSpPr>
         <p:spPr>
           <a:xfrm>
-            <a:off x="5128860" y="2933987"/>
-            <a:ext cx="691249" cy="384721"/>
+            <a:off x="6388544" y="2933990"/>
+            <a:ext cx="691249" cy="384592"/>
           </a:xfrm>
           <a:prstGeom prst="rect">
             <a:avLst/>
@@ -5974,17 +6022,17 @@
           <a:p>
             <a:pPr algn="ctr"/>
             <a:r>
-              <a:rPr lang="en-GB" sz="900" dirty="0" smtClean="0"/>
+              <a:rPr lang="en-GB" sz="900" dirty="0"/>
               <a:t>Many</a:t>
             </a:r>
           </a:p>
           <a:p>
             <a:pPr algn="ctr"/>
             <a:r>
-              <a:rPr lang="en-GB" sz="1000" dirty="0" smtClean="0"/>
+              <a:rPr lang="en-GB" sz="999" dirty="0"/>
               <a:t>Partitions</a:t>
             </a:r>
-            <a:endParaRPr lang="en-GB" sz="1000" dirty="0"/>
+            <a:endParaRPr lang="en-GB" sz="999" dirty="0"/>
           </a:p>
         </p:txBody>
       </p:sp>
@@ -5996,8 +6044,8 @@
         </p:nvSpPr>
         <p:spPr>
           <a:xfrm>
-            <a:off x="4817183" y="3753191"/>
-            <a:ext cx="591829" cy="384721"/>
+            <a:off x="6076869" y="3753194"/>
+            <a:ext cx="591829" cy="384592"/>
           </a:xfrm>
           <a:prstGeom prst="rect">
             <a:avLst/>
@@ -6012,14 +6060,14 @@
           <a:p>
             <a:pPr algn="ctr"/>
             <a:r>
-              <a:rPr lang="en-GB" sz="1000" dirty="0" smtClean="0"/>
+              <a:rPr lang="en-GB" sz="999" dirty="0"/>
               <a:t>One </a:t>
             </a:r>
           </a:p>
           <a:p>
             <a:pPr algn="ctr"/>
             <a:r>
-              <a:rPr lang="en-GB" sz="900" dirty="0" smtClean="0"/>
+              <a:rPr lang="en-GB" sz="900" dirty="0"/>
               <a:t>Partition</a:t>
             </a:r>
             <a:endParaRPr lang="en-GB" sz="900" dirty="0"/>
@@ -6034,7 +6082,7 @@
         </p:nvSpPr>
         <p:spPr>
           <a:xfrm>
-            <a:off x="4059219" y="4071114"/>
+            <a:off x="5318902" y="4071115"/>
             <a:ext cx="623889" cy="369332"/>
           </a:xfrm>
           <a:prstGeom prst="rect">
@@ -6050,14 +6098,14 @@
           <a:p>
             <a:pPr algn="ctr"/>
             <a:r>
-              <a:rPr lang="en-GB" sz="900" dirty="0" smtClean="0"/>
+              <a:rPr lang="en-GB" sz="900" dirty="0"/>
               <a:t>Many</a:t>
             </a:r>
           </a:p>
           <a:p>
             <a:pPr algn="ctr"/>
             <a:r>
-              <a:rPr lang="en-GB" sz="900" dirty="0" smtClean="0"/>
+              <a:rPr lang="en-GB" sz="900" dirty="0"/>
               <a:t>Instances</a:t>
             </a:r>
             <a:endParaRPr lang="en-GB" sz="900" dirty="0"/>
@@ -6072,7 +6120,7 @@
         </p:nvSpPr>
         <p:spPr>
           <a:xfrm>
-            <a:off x="2325964" y="4066751"/>
+            <a:off x="3585649" y="4066752"/>
             <a:ext cx="579005" cy="369332"/>
           </a:xfrm>
           <a:prstGeom prst="rect">
@@ -6088,14 +6136,14 @@
           <a:p>
             <a:pPr algn="ctr"/>
             <a:r>
-              <a:rPr lang="en-GB" sz="900" dirty="0" smtClean="0"/>
+              <a:rPr lang="en-GB" sz="900" dirty="0"/>
               <a:t>One</a:t>
             </a:r>
           </a:p>
           <a:p>
             <a:pPr algn="ctr"/>
             <a:r>
-              <a:rPr lang="en-GB" sz="900" dirty="0" smtClean="0"/>
+              <a:rPr lang="en-GB" sz="900" dirty="0"/>
               <a:t>Instance</a:t>
             </a:r>
             <a:endParaRPr lang="en-GB" sz="900" dirty="0"/>
@@ -6110,8 +6158,8 @@
         </p:nvSpPr>
         <p:spPr>
           <a:xfrm>
-            <a:off x="1786283" y="3966328"/>
-            <a:ext cx="620684" cy="230832"/>
+            <a:off x="3045968" y="3966328"/>
+            <a:ext cx="620683" cy="230832"/>
           </a:xfrm>
           <a:prstGeom prst="rect">
             <a:avLst/>
@@ -6126,7 +6174,7 @@
           <a:p>
             <a:pPr algn="ctr"/>
             <a:r>
-              <a:rPr lang="en-GB" sz="900" dirty="0" smtClean="0"/>
+              <a:rPr lang="en-GB" sz="900" dirty="0"/>
               <a:t>Monolith</a:t>
             </a:r>
             <a:endParaRPr lang="en-GB" sz="900" dirty="0"/>
@@ -6141,7 +6189,7 @@
         </p:nvSpPr>
         <p:spPr>
           <a:xfrm>
-            <a:off x="1666860" y="2396700"/>
+            <a:off x="2926545" y="2396701"/>
             <a:ext cx="859531" cy="230832"/>
           </a:xfrm>
           <a:prstGeom prst="rect">
@@ -6157,7 +6205,7 @@
           <a:p>
             <a:pPr algn="ctr"/>
             <a:r>
-              <a:rPr lang="en-GB" sz="900" dirty="0" smtClean="0"/>
+              <a:rPr lang="en-GB" sz="900" dirty="0"/>
               <a:t>Micro services</a:t>
             </a:r>
             <a:endParaRPr lang="en-GB" sz="900" dirty="0"/>
@@ -6172,7 +6220,7 @@
         </p:nvSpPr>
         <p:spPr>
           <a:xfrm>
-            <a:off x="3278469" y="1068354"/>
+            <a:off x="4538151" y="1068354"/>
             <a:ext cx="913712" cy="400110"/>
           </a:xfrm>
           <a:prstGeom prst="rect">
@@ -6187,7 +6235,7 @@
           <a:lstStyle/>
           <a:p>
             <a:r>
-              <a:rPr lang="en-GB" sz="2000" dirty="0" smtClean="0"/>
+              <a:rPr lang="en-GB" sz="2000" dirty="0"/>
               <a:t>Theory</a:t>
             </a:r>
             <a:endParaRPr lang="en-GB" sz="2000" dirty="0"/>
@@ -6205,8 +6253,8 @@
         </p:nvCxnSpPr>
         <p:spPr>
           <a:xfrm>
-            <a:off x="7340540" y="4260982"/>
-            <a:ext cx="798386" cy="4363"/>
+            <a:off x="8600222" y="4260983"/>
+            <a:ext cx="798391" cy="4364"/>
           </a:xfrm>
           <a:prstGeom prst="straightConnector1">
             <a:avLst/>
@@ -6240,8 +6288,8 @@
         </p:nvCxnSpPr>
         <p:spPr>
           <a:xfrm flipV="1">
-            <a:off x="6361829" y="2775597"/>
-            <a:ext cx="3655" cy="1081004"/>
+            <a:off x="7621512" y="2775598"/>
+            <a:ext cx="3655" cy="1081008"/>
           </a:xfrm>
           <a:prstGeom prst="straightConnector1">
             <a:avLst/>
@@ -6276,8 +6324,8 @@
         </p:nvCxnSpPr>
         <p:spPr>
           <a:xfrm flipV="1">
-            <a:off x="9498088" y="3240536"/>
-            <a:ext cx="421498" cy="524127"/>
+            <a:off x="10757772" y="3240538"/>
+            <a:ext cx="421496" cy="524126"/>
           </a:xfrm>
           <a:prstGeom prst="straightConnector1">
             <a:avLst/>
@@ -6309,8 +6357,8 @@
         </p:nvGrpSpPr>
         <p:grpSpPr>
           <a:xfrm>
-            <a:off x="6785943" y="1774387"/>
-            <a:ext cx="2591182" cy="2182636"/>
+            <a:off x="8045625" y="1774386"/>
+            <a:ext cx="2591181" cy="2182636"/>
             <a:chOff x="3965876" y="1695285"/>
             <a:chExt cx="2591182" cy="2182636"/>
           </a:xfrm>
@@ -6786,7 +6834,7 @@
         </p:nvSpPr>
         <p:spPr>
           <a:xfrm>
-            <a:off x="9299613" y="2871204"/>
+            <a:off x="10559295" y="2871206"/>
             <a:ext cx="1239946" cy="369332"/>
           </a:xfrm>
           <a:prstGeom prst="rect">
@@ -6802,10 +6850,10 @@
           <a:p>
             <a:pPr algn="ctr"/>
             <a:r>
-              <a:rPr lang="en-GB" sz="900" dirty="0" smtClean="0"/>
+              <a:rPr lang="en-GB" sz="900" dirty="0"/>
               <a:t>Many Data Files in Shared Distributed FS</a:t>
             </a:r>
-            <a:endParaRPr lang="en-GB" sz="1000" dirty="0"/>
+            <a:endParaRPr lang="en-GB" sz="999" dirty="0"/>
           </a:p>
         </p:txBody>
       </p:sp>
@@ -6817,8 +6865,8 @@
         </p:nvSpPr>
         <p:spPr>
           <a:xfrm>
-            <a:off x="9037865" y="3764663"/>
-            <a:ext cx="920445" cy="384721"/>
+            <a:off x="10297550" y="3764664"/>
+            <a:ext cx="920444" cy="384592"/>
           </a:xfrm>
           <a:prstGeom prst="rect">
             <a:avLst/>
@@ -6833,14 +6881,14 @@
           <a:p>
             <a:pPr algn="ctr"/>
             <a:r>
-              <a:rPr lang="en-GB" sz="1000" dirty="0" smtClean="0"/>
+              <a:rPr lang="en-GB" sz="999" dirty="0"/>
               <a:t>One </a:t>
             </a:r>
           </a:p>
           <a:p>
             <a:pPr algn="ctr"/>
             <a:r>
-              <a:rPr lang="en-GB" sz="900" dirty="0" smtClean="0"/>
+              <a:rPr lang="en-GB" sz="900" dirty="0"/>
               <a:t>Single Local File</a:t>
             </a:r>
             <a:endParaRPr lang="en-GB" sz="900" dirty="0"/>
@@ -6855,8 +6903,8 @@
         </p:nvSpPr>
         <p:spPr>
           <a:xfrm>
-            <a:off x="8138926" y="4080679"/>
-            <a:ext cx="1002198" cy="369332"/>
+            <a:off x="9398613" y="4080681"/>
+            <a:ext cx="1002197" cy="369332"/>
           </a:xfrm>
           <a:prstGeom prst="rect">
             <a:avLst/>
@@ -6871,14 +6919,14 @@
           <a:p>
             <a:pPr algn="ctr"/>
             <a:r>
-              <a:rPr lang="en-GB" sz="900" dirty="0" smtClean="0"/>
+              <a:rPr lang="en-GB" sz="900" dirty="0"/>
               <a:t>Many</a:t>
             </a:r>
           </a:p>
           <a:p>
             <a:pPr algn="ctr"/>
             <a:r>
-              <a:rPr lang="en-GB" sz="900" dirty="0" smtClean="0"/>
+              <a:rPr lang="en-GB" sz="900" dirty="0"/>
               <a:t>Clusters / Servers</a:t>
             </a:r>
             <a:endParaRPr lang="en-GB" sz="900" dirty="0"/>
@@ -6893,7 +6941,7 @@
         </p:nvSpPr>
         <p:spPr>
           <a:xfrm>
-            <a:off x="6428111" y="4076316"/>
+            <a:off x="7687793" y="4076317"/>
             <a:ext cx="912429" cy="369332"/>
           </a:xfrm>
           <a:prstGeom prst="rect">
@@ -6909,14 +6957,14 @@
           <a:p>
             <a:pPr algn="ctr"/>
             <a:r>
-              <a:rPr lang="en-GB" sz="900" dirty="0" smtClean="0"/>
+              <a:rPr lang="en-GB" sz="900" dirty="0"/>
               <a:t>One</a:t>
             </a:r>
           </a:p>
           <a:p>
             <a:pPr algn="ctr"/>
             <a:r>
-              <a:rPr lang="en-GB" sz="900" dirty="0" smtClean="0"/>
+              <a:rPr lang="en-GB" sz="900" dirty="0"/>
               <a:t>Cluster / Server</a:t>
             </a:r>
             <a:endParaRPr lang="en-GB" sz="900" dirty="0"/>
@@ -6931,7 +6979,7 @@
         </p:nvSpPr>
         <p:spPr>
           <a:xfrm>
-            <a:off x="5951748" y="3975893"/>
+            <a:off x="7211433" y="3975894"/>
             <a:ext cx="827471" cy="230832"/>
           </a:xfrm>
           <a:prstGeom prst="rect">
@@ -6947,7 +6995,7 @@
           <a:p>
             <a:pPr algn="ctr"/>
             <a:r>
-              <a:rPr lang="en-GB" sz="900" dirty="0" smtClean="0"/>
+              <a:rPr lang="en-GB" sz="900" dirty="0"/>
               <a:t>Single Service</a:t>
             </a:r>
             <a:endParaRPr lang="en-GB" sz="900" dirty="0"/>
@@ -6962,8 +7010,8 @@
         </p:nvSpPr>
         <p:spPr>
           <a:xfrm>
-            <a:off x="5970984" y="2406265"/>
-            <a:ext cx="788999" cy="369332"/>
+            <a:off x="7230667" y="2406266"/>
+            <a:ext cx="788998" cy="369332"/>
           </a:xfrm>
           <a:prstGeom prst="rect">
             <a:avLst/>
@@ -6978,14 +7026,14 @@
           <a:p>
             <a:pPr algn="ctr"/>
             <a:r>
-              <a:rPr lang="en-GB" sz="900" dirty="0" smtClean="0"/>
+              <a:rPr lang="en-GB" sz="900" dirty="0"/>
               <a:t>API &amp; </a:t>
             </a:r>
             <a:br>
-              <a:rPr lang="en-GB" sz="900" dirty="0" smtClean="0"/>
+              <a:rPr lang="en-GB" sz="900" dirty="0"/>
             </a:br>
             <a:r>
-              <a:rPr lang="en-GB" sz="900" dirty="0" err="1" smtClean="0"/>
+              <a:rPr lang="en-GB" sz="900" dirty="0" err="1"/>
               <a:t>Microservice</a:t>
             </a:r>
             <a:endParaRPr lang="en-GB" sz="900" dirty="0"/>
@@ -7000,7 +7048,7 @@
         </p:nvSpPr>
         <p:spPr>
           <a:xfrm>
-            <a:off x="5904787" y="1032087"/>
+            <a:off x="7164468" y="1032090"/>
             <a:ext cx="4598196" cy="467395"/>
           </a:xfrm>
           <a:prstGeom prst="rect">
@@ -7048,7 +7096,7 @@
         </p:nvSpPr>
         <p:spPr>
           <a:xfrm>
-            <a:off x="7263973" y="1091484"/>
+            <a:off x="8523658" y="1091485"/>
             <a:ext cx="1861535" cy="400110"/>
           </a:xfrm>
           <a:prstGeom prst="rect">
@@ -7063,7 +7111,7 @@
           <a:lstStyle/>
           <a:p>
             <a:r>
-              <a:rPr lang="en-GB" sz="2000" dirty="0" smtClean="0"/>
+              <a:rPr lang="en-GB" sz="2000" dirty="0"/>
               <a:t>Implementation</a:t>
             </a:r>
             <a:endParaRPr lang="en-GB" sz="2000" dirty="0"/>
@@ -7078,7 +7126,7 @@
         </p:nvSpPr>
         <p:spPr>
           <a:xfrm>
-            <a:off x="1655919" y="498944"/>
+            <a:off x="2915603" y="498947"/>
             <a:ext cx="8837919" cy="467395"/>
           </a:xfrm>
           <a:prstGeom prst="rect">
@@ -7126,7 +7174,7 @@
         </p:nvSpPr>
         <p:spPr>
           <a:xfrm>
-            <a:off x="1715845" y="554119"/>
+            <a:off x="2975527" y="554120"/>
             <a:ext cx="4712266" cy="400110"/>
           </a:xfrm>
           <a:prstGeom prst="rect">
@@ -7141,7 +7189,7 @@
           <a:lstStyle/>
           <a:p>
             <a:r>
-              <a:rPr lang="en-GB" sz="2000" dirty="0" smtClean="0"/>
+              <a:rPr lang="en-GB" sz="2000" dirty="0"/>
               <a:t>How to Scale</a:t>
             </a:r>
             <a:endParaRPr lang="en-GB" sz="2000" dirty="0"/>
@@ -7164,7 +7212,7 @@
 <file path=ppt/theme/theme1.xml><?xml version="1.0" encoding="utf-8"?>
 <a:theme xmlns:a="http://schemas.openxmlformats.org/drawingml/2006/main" name="Office Theme">
   <a:themeElements>
-    <a:clrScheme name="Office">
+    <a:clrScheme name="Office Theme">
       <a:dk1>
         <a:sysClr val="windowText" lastClr="000000"/>
       </a:dk1>
@@ -7202,7 +7250,7 @@
         <a:srgbClr val="954F72"/>
       </a:folHlink>
     </a:clrScheme>
-    <a:fontScheme name="Office">
+    <a:fontScheme name="Office Theme">
       <a:majorFont>
         <a:latin typeface="Calibri Light" panose="020F0302020204030204"/>
         <a:ea typeface=""/>
@@ -7274,7 +7322,7 @@
         <a:font script="Geor" typeface="Sylfaen"/>
       </a:minorFont>
     </a:fontScheme>
-    <a:fmtScheme name="Office">
+    <a:fmtScheme name="Office Theme">
       <a:fillStyleLst>
         <a:solidFill>
           <a:schemeClr val="phClr"/>

--- a/doc/Diagram.pptx
+++ b/doc/Diagram.pptx
@@ -7,6 +7,7 @@
   <p:sldIdLst>
     <p:sldId id="256" r:id="rId2"/>
     <p:sldId id="257" r:id="rId3"/>
+    <p:sldId id="258" r:id="rId4"/>
   </p:sldIdLst>
   <p:sldSz cx="14711363" cy="6858000"/>
   <p:notesSz cx="6858000" cy="9144000"/>
@@ -244,7 +245,7 @@
           <a:p>
             <a:fld id="{2F7FF42A-BB86-47C7-BAE0-10102936D116}" type="datetimeFigureOut">
               <a:rPr lang="en-GB" smtClean="0"/>
-              <a:t>05/12/2019</a:t>
+              <a:t>12/12/2019</a:t>
             </a:fld>
             <a:endParaRPr lang="en-GB"/>
           </a:p>
@@ -414,7 +415,7 @@
           <a:p>
             <a:fld id="{2F7FF42A-BB86-47C7-BAE0-10102936D116}" type="datetimeFigureOut">
               <a:rPr lang="en-GB" smtClean="0"/>
-              <a:t>05/12/2019</a:t>
+              <a:t>12/12/2019</a:t>
             </a:fld>
             <a:endParaRPr lang="en-GB"/>
           </a:p>
@@ -594,7 +595,7 @@
           <a:p>
             <a:fld id="{2F7FF42A-BB86-47C7-BAE0-10102936D116}" type="datetimeFigureOut">
               <a:rPr lang="en-GB" smtClean="0"/>
-              <a:t>05/12/2019</a:t>
+              <a:t>12/12/2019</a:t>
             </a:fld>
             <a:endParaRPr lang="en-GB"/>
           </a:p>
@@ -764,7 +765,7 @@
           <a:p>
             <a:fld id="{2F7FF42A-BB86-47C7-BAE0-10102936D116}" type="datetimeFigureOut">
               <a:rPr lang="en-GB" smtClean="0"/>
-              <a:t>05/12/2019</a:t>
+              <a:t>12/12/2019</a:t>
             </a:fld>
             <a:endParaRPr lang="en-GB"/>
           </a:p>
@@ -1010,7 +1011,7 @@
           <a:p>
             <a:fld id="{2F7FF42A-BB86-47C7-BAE0-10102936D116}" type="datetimeFigureOut">
               <a:rPr lang="en-GB" smtClean="0"/>
-              <a:t>05/12/2019</a:t>
+              <a:t>12/12/2019</a:t>
             </a:fld>
             <a:endParaRPr lang="en-GB"/>
           </a:p>
@@ -1242,7 +1243,7 @@
           <a:p>
             <a:fld id="{2F7FF42A-BB86-47C7-BAE0-10102936D116}" type="datetimeFigureOut">
               <a:rPr lang="en-GB" smtClean="0"/>
-              <a:t>05/12/2019</a:t>
+              <a:t>12/12/2019</a:t>
             </a:fld>
             <a:endParaRPr lang="en-GB"/>
           </a:p>
@@ -1609,7 +1610,7 @@
           <a:p>
             <a:fld id="{2F7FF42A-BB86-47C7-BAE0-10102936D116}" type="datetimeFigureOut">
               <a:rPr lang="en-GB" smtClean="0"/>
-              <a:t>05/12/2019</a:t>
+              <a:t>12/12/2019</a:t>
             </a:fld>
             <a:endParaRPr lang="en-GB"/>
           </a:p>
@@ -1727,7 +1728,7 @@
           <a:p>
             <a:fld id="{2F7FF42A-BB86-47C7-BAE0-10102936D116}" type="datetimeFigureOut">
               <a:rPr lang="en-GB" smtClean="0"/>
-              <a:t>05/12/2019</a:t>
+              <a:t>12/12/2019</a:t>
             </a:fld>
             <a:endParaRPr lang="en-GB"/>
           </a:p>
@@ -1822,7 +1823,7 @@
           <a:p>
             <a:fld id="{2F7FF42A-BB86-47C7-BAE0-10102936D116}" type="datetimeFigureOut">
               <a:rPr lang="en-GB" smtClean="0"/>
-              <a:t>05/12/2019</a:t>
+              <a:t>12/12/2019</a:t>
             </a:fld>
             <a:endParaRPr lang="en-GB"/>
           </a:p>
@@ -2099,7 +2100,7 @@
           <a:p>
             <a:fld id="{2F7FF42A-BB86-47C7-BAE0-10102936D116}" type="datetimeFigureOut">
               <a:rPr lang="en-GB" smtClean="0"/>
-              <a:t>05/12/2019</a:t>
+              <a:t>12/12/2019</a:t>
             </a:fld>
             <a:endParaRPr lang="en-GB"/>
           </a:p>
@@ -2356,7 +2357,7 @@
           <a:p>
             <a:fld id="{2F7FF42A-BB86-47C7-BAE0-10102936D116}" type="datetimeFigureOut">
               <a:rPr lang="en-GB" smtClean="0"/>
-              <a:t>05/12/2019</a:t>
+              <a:t>12/12/2019</a:t>
             </a:fld>
             <a:endParaRPr lang="en-GB"/>
           </a:p>
@@ -2569,7 +2570,7 @@
           <a:p>
             <a:fld id="{2F7FF42A-BB86-47C7-BAE0-10102936D116}" type="datetimeFigureOut">
               <a:rPr lang="en-GB" smtClean="0"/>
-              <a:t>05/12/2019</a:t>
+              <a:t>12/12/2019</a:t>
             </a:fld>
             <a:endParaRPr lang="en-GB"/>
           </a:p>
@@ -3548,7 +3549,6 @@
               <a:rPr lang="en-GB" dirty="0"/>
               <a:t>Databases</a:t>
             </a:r>
-            <a:endParaRPr lang="en-GB" dirty="0"/>
           </a:p>
         </p:txBody>
       </p:sp>
@@ -3592,7 +3592,6 @@
               <a:rPr lang="en-GB" dirty="0"/>
               <a:t>Metrics</a:t>
             </a:r>
-            <a:endParaRPr lang="en-GB" dirty="0"/>
           </a:p>
         </p:txBody>
       </p:sp>
@@ -3646,7 +3645,6 @@
               <a:rPr lang="en-GB" sz="1599" dirty="0"/>
               <a:t>Objects</a:t>
             </a:r>
-            <a:endParaRPr lang="en-GB" sz="1599" dirty="0"/>
           </a:p>
         </p:txBody>
       </p:sp>
@@ -4519,7 +4517,6 @@
               <a:rPr lang="en-GB" sz="1200" i="1" dirty="0"/>
               <a:t>Multi Cluster / Servers</a:t>
             </a:r>
-            <a:endParaRPr lang="en-GB" sz="1200" i="1" dirty="0"/>
           </a:p>
         </p:txBody>
       </p:sp>
@@ -4669,12 +4666,6 @@
               </a:rPr>
               <a:t> Level 3: One file each 5 minutes - (Max 144 files)</a:t>
             </a:r>
-            <a:endParaRPr lang="en-GB" sz="1400" dirty="0">
-              <a:solidFill>
-                <a:srgbClr val="333333"/>
-              </a:solidFill>
-              <a:latin typeface="Helvetica" panose="020B0604020202020204" pitchFamily="34" charset="0"/>
-            </a:endParaRPr>
           </a:p>
         </p:txBody>
       </p:sp>
@@ -4826,8 +4817,8 @@
         </p:nvSpPr>
         <p:spPr>
           <a:xfrm rot="16200000">
-            <a:off x="3377785" y="3482022"/>
-            <a:ext cx="1002197" cy="400110"/>
+            <a:off x="2129464" y="3482022"/>
+            <a:ext cx="3498843" cy="400110"/>
           </a:xfrm>
           <a:prstGeom prst="rect">
             <a:avLst/>
@@ -4842,9 +4833,16 @@
           <a:p>
             <a:r>
               <a:rPr lang="en-GB" sz="2000" dirty="0"/>
-              <a:t>API Belt</a:t>
-            </a:r>
-            <a:endParaRPr lang="en-GB" sz="2000" dirty="0"/>
+              <a:t>API </a:t>
+            </a:r>
+            <a:r>
+              <a:rPr lang="en-GB" sz="2000" dirty="0" smtClean="0"/>
+              <a:t>Belt </a:t>
+            </a:r>
+            <a:r>
+              <a:rPr lang="en-GB" sz="2000" dirty="0"/>
+              <a:t>+ Cluster Load Balancer</a:t>
+            </a:r>
           </a:p>
         </p:txBody>
       </p:sp>
@@ -4874,7 +4872,6 @@
               <a:rPr lang="en-GB" sz="2000" dirty="0"/>
               <a:t>Time Object Database</a:t>
             </a:r>
-            <a:endParaRPr lang="en-GB" sz="2000" dirty="0"/>
           </a:p>
         </p:txBody>
       </p:sp>
@@ -4952,7 +4949,6 @@
               <a:rPr lang="en-GB" sz="2000" dirty="0"/>
               <a:t>Consumers</a:t>
             </a:r>
-            <a:endParaRPr lang="en-GB" sz="2000" dirty="0"/>
           </a:p>
         </p:txBody>
       </p:sp>
@@ -6032,7 +6028,6 @@
               <a:rPr lang="en-GB" sz="999" dirty="0"/>
               <a:t>Partitions</a:t>
             </a:r>
-            <a:endParaRPr lang="en-GB" sz="999" dirty="0"/>
           </a:p>
         </p:txBody>
       </p:sp>
@@ -6070,7 +6065,6 @@
               <a:rPr lang="en-GB" sz="900" dirty="0"/>
               <a:t>Partition</a:t>
             </a:r>
-            <a:endParaRPr lang="en-GB" sz="900" dirty="0"/>
           </a:p>
         </p:txBody>
       </p:sp>
@@ -6108,7 +6102,6 @@
               <a:rPr lang="en-GB" sz="900" dirty="0"/>
               <a:t>Instances</a:t>
             </a:r>
-            <a:endParaRPr lang="en-GB" sz="900" dirty="0"/>
           </a:p>
         </p:txBody>
       </p:sp>
@@ -6146,7 +6139,6 @@
               <a:rPr lang="en-GB" sz="900" dirty="0"/>
               <a:t>Instance</a:t>
             </a:r>
-            <a:endParaRPr lang="en-GB" sz="900" dirty="0"/>
           </a:p>
         </p:txBody>
       </p:sp>
@@ -6177,7 +6169,6 @@
               <a:rPr lang="en-GB" sz="900" dirty="0"/>
               <a:t>Monolith</a:t>
             </a:r>
-            <a:endParaRPr lang="en-GB" sz="900" dirty="0"/>
           </a:p>
         </p:txBody>
       </p:sp>
@@ -6208,7 +6199,6 @@
               <a:rPr lang="en-GB" sz="900" dirty="0"/>
               <a:t>Micro services</a:t>
             </a:r>
-            <a:endParaRPr lang="en-GB" sz="900" dirty="0"/>
           </a:p>
         </p:txBody>
       </p:sp>
@@ -6238,7 +6228,6 @@
               <a:rPr lang="en-GB" sz="2000" dirty="0"/>
               <a:t>Theory</a:t>
             </a:r>
-            <a:endParaRPr lang="en-GB" sz="2000" dirty="0"/>
           </a:p>
         </p:txBody>
       </p:sp>
@@ -6891,7 +6880,6 @@
               <a:rPr lang="en-GB" sz="900" dirty="0"/>
               <a:t>Single Local File</a:t>
             </a:r>
-            <a:endParaRPr lang="en-GB" sz="900" dirty="0"/>
           </a:p>
         </p:txBody>
       </p:sp>
@@ -6929,7 +6917,6 @@
               <a:rPr lang="en-GB" sz="900" dirty="0"/>
               <a:t>Clusters / Servers</a:t>
             </a:r>
-            <a:endParaRPr lang="en-GB" sz="900" dirty="0"/>
           </a:p>
         </p:txBody>
       </p:sp>
@@ -6967,7 +6954,6 @@
               <a:rPr lang="en-GB" sz="900" dirty="0"/>
               <a:t>Cluster / Server</a:t>
             </a:r>
-            <a:endParaRPr lang="en-GB" sz="900" dirty="0"/>
           </a:p>
         </p:txBody>
       </p:sp>
@@ -6998,7 +6984,6 @@
               <a:rPr lang="en-GB" sz="900" dirty="0"/>
               <a:t>Single Service</a:t>
             </a:r>
-            <a:endParaRPr lang="en-GB" sz="900" dirty="0"/>
           </a:p>
         </p:txBody>
       </p:sp>
@@ -7114,7 +7099,6 @@
               <a:rPr lang="en-GB" sz="2000" dirty="0"/>
               <a:t>Implementation</a:t>
             </a:r>
-            <a:endParaRPr lang="en-GB" sz="2000" dirty="0"/>
           </a:p>
         </p:txBody>
       </p:sp>
@@ -7192,7 +7176,6 @@
               <a:rPr lang="en-GB" sz="2000" dirty="0"/>
               <a:t>How to Scale</a:t>
             </a:r>
-            <a:endParaRPr lang="en-GB" sz="2000" dirty="0"/>
           </a:p>
         </p:txBody>
       </p:sp>
@@ -7200,6 +7183,683 @@
     <p:extLst>
       <p:ext uri="{BB962C8B-B14F-4D97-AF65-F5344CB8AC3E}">
         <p14:creationId xmlns:p14="http://schemas.microsoft.com/office/powerpoint/2010/main" val="1807523979"/>
+      </p:ext>
+    </p:extLst>
+  </p:cSld>
+  <p:clrMapOvr>
+    <a:masterClrMapping/>
+  </p:clrMapOvr>
+</p:sld>
+</file>
+
+<file path=ppt/slides/slide3.xml><?xml version="1.0" encoding="utf-8"?>
+<p:sld xmlns:a="http://schemas.openxmlformats.org/drawingml/2006/main" xmlns:r="http://schemas.openxmlformats.org/officeDocument/2006/relationships" xmlns:p="http://schemas.openxmlformats.org/presentationml/2006/main">
+  <p:cSld>
+    <p:spTree>
+      <p:nvGrpSpPr>
+        <p:cNvPr id="1" name=""/>
+        <p:cNvGrpSpPr/>
+        <p:nvPr/>
+      </p:nvGrpSpPr>
+      <p:grpSpPr>
+        <a:xfrm>
+          <a:off x="0" y="0"/>
+          <a:ext cx="0" cy="0"/>
+          <a:chOff x="0" y="0"/>
+          <a:chExt cx="0" cy="0"/>
+        </a:xfrm>
+      </p:grpSpPr>
+      <p:sp>
+        <p:nvSpPr>
+          <p:cNvPr id="82" name="Rectangle 81"/>
+          <p:cNvSpPr/>
+          <p:nvPr/>
+        </p:nvSpPr>
+        <p:spPr>
+          <a:xfrm>
+            <a:off x="2706624" y="1078993"/>
+            <a:ext cx="5221223" cy="3483864"/>
+          </a:xfrm>
+          <a:prstGeom prst="rect">
+            <a:avLst/>
+          </a:prstGeom>
+          <a:solidFill>
+            <a:schemeClr val="bg1">
+              <a:lumMod val="95000"/>
+            </a:schemeClr>
+          </a:solidFill>
+          <a:ln>
+            <a:noFill/>
+          </a:ln>
+        </p:spPr>
+        <p:style>
+          <a:lnRef idx="2">
+            <a:schemeClr val="accent1">
+              <a:shade val="50000"/>
+            </a:schemeClr>
+          </a:lnRef>
+          <a:fillRef idx="1">
+            <a:schemeClr val="accent1"/>
+          </a:fillRef>
+          <a:effectRef idx="0">
+            <a:schemeClr val="accent1"/>
+          </a:effectRef>
+          <a:fontRef idx="minor">
+            <a:schemeClr val="lt1"/>
+          </a:fontRef>
+        </p:style>
+        <p:txBody>
+          <a:bodyPr rtlCol="0" anchor="ctr"/>
+          <a:lstStyle/>
+          <a:p>
+            <a:pPr algn="ctr"/>
+            <a:endParaRPr lang="en-GB"/>
+          </a:p>
+        </p:txBody>
+      </p:sp>
+      <p:sp>
+        <p:nvSpPr>
+          <p:cNvPr id="39" name="Rectangle 38"/>
+          <p:cNvSpPr/>
+          <p:nvPr/>
+        </p:nvSpPr>
+        <p:spPr>
+          <a:xfrm>
+            <a:off x="5678040" y="2501114"/>
+            <a:ext cx="1913862" cy="796533"/>
+          </a:xfrm>
+          <a:prstGeom prst="rect">
+            <a:avLst/>
+          </a:prstGeom>
+          <a:solidFill>
+            <a:schemeClr val="accent1">
+              <a:alpha val="86000"/>
+            </a:schemeClr>
+          </a:solidFill>
+        </p:spPr>
+        <p:style>
+          <a:lnRef idx="2">
+            <a:schemeClr val="accent1">
+              <a:shade val="50000"/>
+            </a:schemeClr>
+          </a:lnRef>
+          <a:fillRef idx="1">
+            <a:schemeClr val="accent1"/>
+          </a:fillRef>
+          <a:effectRef idx="0">
+            <a:schemeClr val="accent1"/>
+          </a:effectRef>
+          <a:fontRef idx="minor">
+            <a:schemeClr val="lt1"/>
+          </a:fontRef>
+        </p:style>
+        <p:txBody>
+          <a:bodyPr rtlCol="0" anchor="ctr"/>
+          <a:lstStyle/>
+          <a:p>
+            <a:pPr algn="ctr"/>
+            <a:r>
+              <a:rPr lang="en-GB" sz="1400" dirty="0" smtClean="0"/>
+              <a:t>Time Object Database </a:t>
+            </a:r>
+          </a:p>
+          <a:p>
+            <a:pPr algn="ctr"/>
+            <a:r>
+              <a:rPr lang="en-GB" sz="1400" dirty="0" smtClean="0"/>
+              <a:t>Localhost:8002</a:t>
+            </a:r>
+            <a:endParaRPr lang="en-GB" sz="1400" dirty="0"/>
+          </a:p>
+        </p:txBody>
+      </p:sp>
+      <p:sp>
+        <p:nvSpPr>
+          <p:cNvPr id="46" name="Rectangle 45"/>
+          <p:cNvSpPr/>
+          <p:nvPr/>
+        </p:nvSpPr>
+        <p:spPr>
+          <a:xfrm>
+            <a:off x="2953132" y="2390370"/>
+            <a:ext cx="1913862" cy="1018019"/>
+          </a:xfrm>
+          <a:prstGeom prst="rect">
+            <a:avLst/>
+          </a:prstGeom>
+          <a:solidFill>
+            <a:schemeClr val="accent1">
+              <a:alpha val="86000"/>
+            </a:schemeClr>
+          </a:solidFill>
+        </p:spPr>
+        <p:style>
+          <a:lnRef idx="2">
+            <a:schemeClr val="accent1">
+              <a:shade val="50000"/>
+            </a:schemeClr>
+          </a:lnRef>
+          <a:fillRef idx="1">
+            <a:schemeClr val="accent1"/>
+          </a:fillRef>
+          <a:effectRef idx="0">
+            <a:schemeClr val="accent1"/>
+          </a:effectRef>
+          <a:fontRef idx="minor">
+            <a:schemeClr val="lt1"/>
+          </a:fontRef>
+        </p:style>
+        <p:txBody>
+          <a:bodyPr rtlCol="0" anchor="ctr"/>
+          <a:lstStyle/>
+          <a:p>
+            <a:pPr algn="ctr"/>
+            <a:r>
+              <a:rPr lang="en-GB" sz="1600" dirty="0" smtClean="0"/>
+              <a:t>Load Balancer</a:t>
+            </a:r>
+            <a:br>
+              <a:rPr lang="en-GB" sz="1600" dirty="0" smtClean="0"/>
+            </a:br>
+            <a:r>
+              <a:rPr lang="en-GB" sz="1600" dirty="0" smtClean="0"/>
+              <a:t>localhost:8000</a:t>
+            </a:r>
+            <a:endParaRPr lang="en-GB" sz="1600" dirty="0"/>
+          </a:p>
+        </p:txBody>
+      </p:sp>
+      <p:cxnSp>
+        <p:nvCxnSpPr>
+          <p:cNvPr id="47" name="Straight Arrow Connector 46"/>
+          <p:cNvCxnSpPr>
+            <a:stCxn id="46" idx="3"/>
+            <a:endCxn id="39" idx="1"/>
+          </p:cNvCxnSpPr>
+          <p:nvPr/>
+        </p:nvCxnSpPr>
+        <p:spPr>
+          <a:xfrm>
+            <a:off x="4866994" y="2899380"/>
+            <a:ext cx="811046" cy="1"/>
+          </a:xfrm>
+          <a:prstGeom prst="straightConnector1">
+            <a:avLst/>
+          </a:prstGeom>
+          <a:ln w="12700">
+            <a:tailEnd type="triangle"/>
+          </a:ln>
+        </p:spPr>
+        <p:style>
+          <a:lnRef idx="1">
+            <a:schemeClr val="accent1"/>
+          </a:lnRef>
+          <a:fillRef idx="0">
+            <a:schemeClr val="accent1"/>
+          </a:fillRef>
+          <a:effectRef idx="0">
+            <a:schemeClr val="accent1"/>
+          </a:effectRef>
+          <a:fontRef idx="minor">
+            <a:schemeClr val="tx1"/>
+          </a:fontRef>
+        </p:style>
+      </p:cxnSp>
+      <p:cxnSp>
+        <p:nvCxnSpPr>
+          <p:cNvPr id="52" name="Straight Arrow Connector 51"/>
+          <p:cNvCxnSpPr>
+            <a:stCxn id="46" idx="3"/>
+            <a:endCxn id="61" idx="1"/>
+          </p:cNvCxnSpPr>
+          <p:nvPr/>
+        </p:nvCxnSpPr>
+        <p:spPr>
+          <a:xfrm flipV="1">
+            <a:off x="4866994" y="1806835"/>
+            <a:ext cx="811046" cy="1092545"/>
+          </a:xfrm>
+          <a:prstGeom prst="straightConnector1">
+            <a:avLst/>
+          </a:prstGeom>
+          <a:ln w="12700">
+            <a:tailEnd type="triangle"/>
+          </a:ln>
+        </p:spPr>
+        <p:style>
+          <a:lnRef idx="1">
+            <a:schemeClr val="accent1"/>
+          </a:lnRef>
+          <a:fillRef idx="0">
+            <a:schemeClr val="accent1"/>
+          </a:fillRef>
+          <a:effectRef idx="0">
+            <a:schemeClr val="accent1"/>
+          </a:effectRef>
+          <a:fontRef idx="minor">
+            <a:schemeClr val="tx1"/>
+          </a:fontRef>
+        </p:style>
+      </p:cxnSp>
+      <p:sp>
+        <p:nvSpPr>
+          <p:cNvPr id="61" name="Rectangle 60"/>
+          <p:cNvSpPr/>
+          <p:nvPr/>
+        </p:nvSpPr>
+        <p:spPr>
+          <a:xfrm>
+            <a:off x="5678040" y="1382533"/>
+            <a:ext cx="1913862" cy="848603"/>
+          </a:xfrm>
+          <a:prstGeom prst="rect">
+            <a:avLst/>
+          </a:prstGeom>
+          <a:solidFill>
+            <a:schemeClr val="accent1">
+              <a:alpha val="86000"/>
+            </a:schemeClr>
+          </a:solidFill>
+        </p:spPr>
+        <p:style>
+          <a:lnRef idx="2">
+            <a:schemeClr val="accent1">
+              <a:shade val="50000"/>
+            </a:schemeClr>
+          </a:lnRef>
+          <a:fillRef idx="1">
+            <a:schemeClr val="accent1"/>
+          </a:fillRef>
+          <a:effectRef idx="0">
+            <a:schemeClr val="accent1"/>
+          </a:effectRef>
+          <a:fontRef idx="minor">
+            <a:schemeClr val="lt1"/>
+          </a:fontRef>
+        </p:style>
+        <p:txBody>
+          <a:bodyPr rtlCol="0" anchor="ctr"/>
+          <a:lstStyle/>
+          <a:p>
+            <a:pPr algn="ctr"/>
+            <a:r>
+              <a:rPr lang="en-GB" sz="1400" dirty="0" smtClean="0"/>
+              <a:t>Time Object Database </a:t>
+            </a:r>
+          </a:p>
+          <a:p>
+            <a:pPr algn="ctr"/>
+            <a:r>
+              <a:rPr lang="en-GB" sz="1400" dirty="0" smtClean="0"/>
+              <a:t>Localhost:8001</a:t>
+            </a:r>
+            <a:endParaRPr lang="en-GB" sz="1400" dirty="0"/>
+          </a:p>
+        </p:txBody>
+      </p:sp>
+      <p:sp>
+        <p:nvSpPr>
+          <p:cNvPr id="69" name="Rectangle 68"/>
+          <p:cNvSpPr/>
+          <p:nvPr/>
+        </p:nvSpPr>
+        <p:spPr>
+          <a:xfrm>
+            <a:off x="5678040" y="3551386"/>
+            <a:ext cx="1913862" cy="796533"/>
+          </a:xfrm>
+          <a:prstGeom prst="rect">
+            <a:avLst/>
+          </a:prstGeom>
+          <a:solidFill>
+            <a:schemeClr val="accent1">
+              <a:alpha val="86000"/>
+            </a:schemeClr>
+          </a:solidFill>
+        </p:spPr>
+        <p:style>
+          <a:lnRef idx="2">
+            <a:schemeClr val="accent1">
+              <a:shade val="50000"/>
+            </a:schemeClr>
+          </a:lnRef>
+          <a:fillRef idx="1">
+            <a:schemeClr val="accent1"/>
+          </a:fillRef>
+          <a:effectRef idx="0">
+            <a:schemeClr val="accent1"/>
+          </a:effectRef>
+          <a:fontRef idx="minor">
+            <a:schemeClr val="lt1"/>
+          </a:fontRef>
+        </p:style>
+        <p:txBody>
+          <a:bodyPr rtlCol="0" anchor="ctr"/>
+          <a:lstStyle/>
+          <a:p>
+            <a:pPr algn="ctr"/>
+            <a:r>
+              <a:rPr lang="en-GB" sz="1400" dirty="0" smtClean="0"/>
+              <a:t>Time Object Database</a:t>
+            </a:r>
+            <a:br>
+              <a:rPr lang="en-GB" sz="1400" dirty="0" smtClean="0"/>
+            </a:br>
+            <a:r>
+              <a:rPr lang="en-GB" sz="1400" dirty="0" smtClean="0"/>
+              <a:t>localhost:8003 </a:t>
+            </a:r>
+          </a:p>
+          <a:p>
+            <a:pPr algn="ctr"/>
+            <a:r>
+              <a:rPr lang="en-GB" sz="1400" dirty="0" smtClean="0"/>
+              <a:t>Instance N (Cores -1)</a:t>
+            </a:r>
+            <a:endParaRPr lang="en-GB" sz="1400" dirty="0"/>
+          </a:p>
+        </p:txBody>
+      </p:sp>
+      <p:cxnSp>
+        <p:nvCxnSpPr>
+          <p:cNvPr id="70" name="Straight Arrow Connector 69"/>
+          <p:cNvCxnSpPr>
+            <a:stCxn id="46" idx="3"/>
+            <a:endCxn id="69" idx="1"/>
+          </p:cNvCxnSpPr>
+          <p:nvPr/>
+        </p:nvCxnSpPr>
+        <p:spPr>
+          <a:xfrm>
+            <a:off x="4866994" y="2899380"/>
+            <a:ext cx="811046" cy="1050273"/>
+          </a:xfrm>
+          <a:prstGeom prst="straightConnector1">
+            <a:avLst/>
+          </a:prstGeom>
+          <a:ln w="12700">
+            <a:tailEnd type="triangle"/>
+          </a:ln>
+        </p:spPr>
+        <p:style>
+          <a:lnRef idx="1">
+            <a:schemeClr val="accent1"/>
+          </a:lnRef>
+          <a:fillRef idx="0">
+            <a:schemeClr val="accent1"/>
+          </a:fillRef>
+          <a:effectRef idx="0">
+            <a:schemeClr val="accent1"/>
+          </a:effectRef>
+          <a:fontRef idx="minor">
+            <a:schemeClr val="tx1"/>
+          </a:fontRef>
+        </p:style>
+      </p:cxnSp>
+      <p:sp>
+        <p:nvSpPr>
+          <p:cNvPr id="83" name="Rectangle 82"/>
+          <p:cNvSpPr/>
+          <p:nvPr/>
+        </p:nvSpPr>
+        <p:spPr>
+          <a:xfrm>
+            <a:off x="227239" y="2682308"/>
+            <a:ext cx="2143440" cy="424465"/>
+          </a:xfrm>
+          <a:prstGeom prst="rect">
+            <a:avLst/>
+          </a:prstGeom>
+          <a:solidFill>
+            <a:schemeClr val="bg1">
+              <a:lumMod val="95000"/>
+            </a:schemeClr>
+          </a:solidFill>
+          <a:ln>
+            <a:noFill/>
+          </a:ln>
+        </p:spPr>
+        <p:style>
+          <a:lnRef idx="2">
+            <a:schemeClr val="accent1">
+              <a:shade val="50000"/>
+            </a:schemeClr>
+          </a:lnRef>
+          <a:fillRef idx="1">
+            <a:schemeClr val="accent1"/>
+          </a:fillRef>
+          <a:effectRef idx="0">
+            <a:schemeClr val="accent1"/>
+          </a:effectRef>
+          <a:fontRef idx="minor">
+            <a:schemeClr val="lt1"/>
+          </a:fontRef>
+        </p:style>
+        <p:txBody>
+          <a:bodyPr rtlCol="0" anchor="ctr"/>
+          <a:lstStyle/>
+          <a:p>
+            <a:pPr algn="ctr"/>
+            <a:endParaRPr lang="en-GB"/>
+          </a:p>
+        </p:txBody>
+      </p:sp>
+      <p:sp>
+        <p:nvSpPr>
+          <p:cNvPr id="84" name="TextBox 83"/>
+          <p:cNvSpPr txBox="1"/>
+          <p:nvPr/>
+        </p:nvSpPr>
+        <p:spPr>
+          <a:xfrm>
+            <a:off x="624252" y="2706661"/>
+            <a:ext cx="1749646" cy="400110"/>
+          </a:xfrm>
+          <a:prstGeom prst="rect">
+            <a:avLst/>
+          </a:prstGeom>
+          <a:noFill/>
+        </p:spPr>
+        <p:txBody>
+          <a:bodyPr wrap="none" rtlCol="0">
+            <a:spAutoFit/>
+          </a:bodyPr>
+          <a:lstStyle/>
+          <a:p>
+            <a:r>
+              <a:rPr lang="en-GB" sz="2000" dirty="0" smtClean="0"/>
+              <a:t>API Consumers</a:t>
+            </a:r>
+            <a:endParaRPr lang="en-GB" sz="2000" dirty="0"/>
+          </a:p>
+        </p:txBody>
+      </p:sp>
+      <p:cxnSp>
+        <p:nvCxnSpPr>
+          <p:cNvPr id="85" name="Straight Arrow Connector 84"/>
+          <p:cNvCxnSpPr>
+            <a:stCxn id="83" idx="3"/>
+            <a:endCxn id="46" idx="1"/>
+          </p:cNvCxnSpPr>
+          <p:nvPr/>
+        </p:nvCxnSpPr>
+        <p:spPr>
+          <a:xfrm>
+            <a:off x="2370679" y="2894541"/>
+            <a:ext cx="582453" cy="4839"/>
+          </a:xfrm>
+          <a:prstGeom prst="straightConnector1">
+            <a:avLst/>
+          </a:prstGeom>
+          <a:ln w="12700">
+            <a:tailEnd type="triangle"/>
+          </a:ln>
+        </p:spPr>
+        <p:style>
+          <a:lnRef idx="1">
+            <a:schemeClr val="accent1"/>
+          </a:lnRef>
+          <a:fillRef idx="0">
+            <a:schemeClr val="accent1"/>
+          </a:fillRef>
+          <a:effectRef idx="0">
+            <a:schemeClr val="accent1"/>
+          </a:effectRef>
+          <a:fontRef idx="minor">
+            <a:schemeClr val="tx1"/>
+          </a:fontRef>
+        </p:style>
+      </p:cxnSp>
+      <p:sp>
+        <p:nvSpPr>
+          <p:cNvPr id="88" name="Rectangle 87"/>
+          <p:cNvSpPr/>
+          <p:nvPr/>
+        </p:nvSpPr>
+        <p:spPr>
+          <a:xfrm>
+            <a:off x="2706624" y="533482"/>
+            <a:ext cx="5221223" cy="467395"/>
+          </a:xfrm>
+          <a:prstGeom prst="rect">
+            <a:avLst/>
+          </a:prstGeom>
+          <a:solidFill>
+            <a:schemeClr val="bg1">
+              <a:lumMod val="95000"/>
+            </a:schemeClr>
+          </a:solidFill>
+          <a:ln>
+            <a:noFill/>
+          </a:ln>
+        </p:spPr>
+        <p:style>
+          <a:lnRef idx="2">
+            <a:schemeClr val="accent1">
+              <a:shade val="50000"/>
+            </a:schemeClr>
+          </a:lnRef>
+          <a:fillRef idx="1">
+            <a:schemeClr val="accent1"/>
+          </a:fillRef>
+          <a:effectRef idx="0">
+            <a:schemeClr val="accent1"/>
+          </a:effectRef>
+          <a:fontRef idx="minor">
+            <a:schemeClr val="lt1"/>
+          </a:fontRef>
+        </p:style>
+        <p:txBody>
+          <a:bodyPr rtlCol="0" anchor="ctr"/>
+          <a:lstStyle/>
+          <a:p>
+            <a:pPr algn="ctr"/>
+            <a:endParaRPr lang="en-GB"/>
+          </a:p>
+        </p:txBody>
+      </p:sp>
+      <p:sp>
+        <p:nvSpPr>
+          <p:cNvPr id="89" name="TextBox 88"/>
+          <p:cNvSpPr txBox="1"/>
+          <p:nvPr/>
+        </p:nvSpPr>
+        <p:spPr>
+          <a:xfrm>
+            <a:off x="4063998" y="448342"/>
+            <a:ext cx="2570973" cy="584775"/>
+          </a:xfrm>
+          <a:prstGeom prst="rect">
+            <a:avLst/>
+          </a:prstGeom>
+          <a:noFill/>
+        </p:spPr>
+        <p:txBody>
+          <a:bodyPr wrap="square" rtlCol="0">
+            <a:spAutoFit/>
+          </a:bodyPr>
+          <a:lstStyle/>
+          <a:p>
+            <a:pPr algn="ctr"/>
+            <a:r>
+              <a:rPr lang="en-GB" sz="2000" dirty="0" smtClean="0"/>
+              <a:t>Cluster Load Balancer</a:t>
+            </a:r>
+            <a:r>
+              <a:rPr lang="en-GB" sz="2000" dirty="0"/>
+              <a:t/>
+            </a:r>
+            <a:br>
+              <a:rPr lang="en-GB" sz="2000" dirty="0"/>
+            </a:br>
+            <a:r>
+              <a:rPr lang="en-GB" sz="1200" i="1" dirty="0" smtClean="0"/>
+              <a:t>Round Robin Algorithm</a:t>
+            </a:r>
+            <a:endParaRPr lang="en-GB" sz="1200" i="1" dirty="0"/>
+          </a:p>
+        </p:txBody>
+      </p:sp>
+      <p:sp>
+        <p:nvSpPr>
+          <p:cNvPr id="91" name="Line Callout 2 90"/>
+          <p:cNvSpPr/>
+          <p:nvPr/>
+        </p:nvSpPr>
+        <p:spPr>
+          <a:xfrm>
+            <a:off x="4132094" y="3748484"/>
+            <a:ext cx="566928" cy="402336"/>
+          </a:xfrm>
+          <a:prstGeom prst="borderCallout2">
+            <a:avLst>
+              <a:gd name="adj1" fmla="val 18750"/>
+              <a:gd name="adj2" fmla="val -8333"/>
+              <a:gd name="adj3" fmla="val 18750"/>
+              <a:gd name="adj4" fmla="val -16667"/>
+              <a:gd name="adj5" fmla="val -78409"/>
+              <a:gd name="adj6" fmla="val -43441"/>
+            </a:avLst>
+          </a:prstGeom>
+          <a:solidFill>
+            <a:schemeClr val="bg2">
+              <a:lumMod val="50000"/>
+            </a:schemeClr>
+          </a:solidFill>
+        </p:spPr>
+        <p:style>
+          <a:lnRef idx="2">
+            <a:schemeClr val="accent1">
+              <a:shade val="50000"/>
+            </a:schemeClr>
+          </a:lnRef>
+          <a:fillRef idx="1">
+            <a:schemeClr val="accent1"/>
+          </a:fillRef>
+          <a:effectRef idx="0">
+            <a:schemeClr val="accent1"/>
+          </a:effectRef>
+          <a:fontRef idx="minor">
+            <a:schemeClr val="lt1"/>
+          </a:fontRef>
+        </p:style>
+        <p:txBody>
+          <a:bodyPr rtlCol="0" anchor="ctr"/>
+          <a:lstStyle/>
+          <a:p>
+            <a:pPr algn="ctr"/>
+            <a:r>
+              <a:rPr lang="en-GB" sz="1050" dirty="0" smtClean="0"/>
+              <a:t>Round Robin</a:t>
+            </a:r>
+            <a:endParaRPr lang="en-GB" sz="1050" dirty="0"/>
+          </a:p>
+        </p:txBody>
+      </p:sp>
+    </p:spTree>
+    <p:extLst>
+      <p:ext uri="{BB962C8B-B14F-4D97-AF65-F5344CB8AC3E}">
+        <p14:creationId xmlns:p14="http://schemas.microsoft.com/office/powerpoint/2010/main" val="4245281382"/>
       </p:ext>
     </p:extLst>
   </p:cSld>
